--- a/SecondWeek-Presentation.pptx
+++ b/SecondWeek-Presentation.pptx
@@ -1074,11 +1074,11 @@
           </a:r>
           <a:r>
             <a:rPr lang="en-US" dirty="0"/>
-            <a:t> at </a:t>
+            <a:t> </a:t>
           </a:r>
           <a:r>
-            <a:rPr lang="en-US" b="1" dirty="0"/>
-            <a:t>9AM</a:t>
+            <a:rPr lang="en-US"/>
+            <a:t>at 1PM ICT.</a:t>
           </a:r>
           <a:endParaRPr lang="en-US" dirty="0"/>
         </a:p>
@@ -1884,11 +1884,11 @@
           </a:r>
           <a:r>
             <a:rPr lang="en-US" sz="1800" kern="1200" dirty="0"/>
-            <a:t> at </a:t>
+            <a:t> </a:t>
           </a:r>
           <a:r>
-            <a:rPr lang="en-US" sz="1800" b="1" kern="1200" dirty="0"/>
-            <a:t>9AM</a:t>
+            <a:rPr lang="en-US" sz="1800" kern="1200"/>
+            <a:t>at 1PM ICT.</a:t>
           </a:r>
           <a:endParaRPr lang="en-US" sz="1800" kern="1200" dirty="0"/>
         </a:p>
@@ -7824,7 +7824,7 @@
             <p:ph idx="1"/>
             <p:extLst>
               <p:ext uri="{D42A27DB-BD31-4B8C-83A1-F6EECF244321}">
-                <p14:modId xmlns:p14="http://schemas.microsoft.com/office/powerpoint/2010/main" val="306113255"/>
+                <p14:modId xmlns:p14="http://schemas.microsoft.com/office/powerpoint/2010/main" val="1898810735"/>
               </p:ext>
             </p:extLst>
           </p:nvPr>

--- a/SecondWeek-Presentation.pptx
+++ b/SecondWeek-Presentation.pptx
@@ -1074,13 +1074,8 @@
           </a:r>
           <a:r>
             <a:rPr lang="en-US" dirty="0"/>
-            <a:t> </a:t>
+            <a:t> at 1PM ICT.</a:t>
           </a:r>
-          <a:r>
-            <a:rPr lang="en-US"/>
-            <a:t>at 1PM ICT.</a:t>
-          </a:r>
-          <a:endParaRPr lang="en-US" dirty="0"/>
         </a:p>
       </dgm:t>
     </dgm:pt>
@@ -1114,11 +1109,11 @@
         <a:lstStyle/>
         <a:p>
           <a:r>
-            <a:rPr lang="en-US" b="1"/>
-            <a:t>Sprints</a:t>
+            <a:rPr lang="en-US" b="1" dirty="0"/>
+            <a:t>Sprint</a:t>
           </a:r>
           <a:r>
-            <a:rPr lang="en-US"/>
+            <a:rPr lang="en-US" dirty="0"/>
             <a:t> duration: 1 week.</a:t>
           </a:r>
         </a:p>
@@ -1250,23 +1245,23 @@
         <a:lstStyle/>
         <a:p>
           <a:r>
-            <a:rPr lang="en-US"/>
+            <a:rPr lang="en-US" dirty="0"/>
             <a:t>Additional meetings can be hosted via </a:t>
           </a:r>
           <a:r>
-            <a:rPr lang="en-US" b="1"/>
+            <a:rPr lang="en-US" b="1" dirty="0"/>
             <a:t>Zoom</a:t>
           </a:r>
           <a:r>
-            <a:rPr lang="en-US"/>
+            <a:rPr lang="en-US" dirty="0"/>
             <a:t> or these can be </a:t>
           </a:r>
           <a:r>
-            <a:rPr lang="en-US" b="1"/>
+            <a:rPr lang="en-US" b="1" dirty="0"/>
             <a:t>face to face meetings</a:t>
           </a:r>
           <a:r>
-            <a:rPr lang="en-US"/>
+            <a:rPr lang="en-US" dirty="0"/>
             <a:t>.</a:t>
           </a:r>
         </a:p>
@@ -1302,7 +1297,7 @@
         <a:lstStyle/>
         <a:p>
           <a:r>
-            <a:rPr lang="en-US"/>
+            <a:rPr lang="en-US" dirty="0"/>
             <a:t>Meetings duration may vary, depends on the purpose of the meeting and problems being brought up.</a:t>
           </a:r>
         </a:p>
@@ -1884,13 +1879,8 @@
           </a:r>
           <a:r>
             <a:rPr lang="en-US" sz="1800" kern="1200" dirty="0"/>
-            <a:t> </a:t>
+            <a:t> at 1PM ICT.</a:t>
           </a:r>
-          <a:r>
-            <a:rPr lang="en-US" sz="1800" kern="1200"/>
-            <a:t>at 1PM ICT.</a:t>
-          </a:r>
-          <a:endParaRPr lang="en-US" sz="1800" kern="1200" dirty="0"/>
         </a:p>
       </dsp:txBody>
       <dsp:txXfrm>
@@ -2039,11 +2029,11 @@
             <a:buNone/>
           </a:pPr>
           <a:r>
-            <a:rPr lang="en-US" sz="1800" b="1" kern="1200"/>
-            <a:t>Sprints</a:t>
+            <a:rPr lang="en-US" sz="1800" b="1" kern="1200" dirty="0"/>
+            <a:t>Sprint</a:t>
           </a:r>
           <a:r>
-            <a:rPr lang="en-US" sz="1800" kern="1200"/>
+            <a:rPr lang="en-US" sz="1800" kern="1200" dirty="0"/>
             <a:t> duration: 1 week.</a:t>
           </a:r>
         </a:p>
@@ -2520,23 +2510,23 @@
             <a:buNone/>
           </a:pPr>
           <a:r>
-            <a:rPr lang="en-US" sz="1800" kern="1200"/>
+            <a:rPr lang="en-US" sz="1800" kern="1200" dirty="0"/>
             <a:t>Additional meetings can be hosted via </a:t>
           </a:r>
           <a:r>
-            <a:rPr lang="en-US" sz="1800" b="1" kern="1200"/>
+            <a:rPr lang="en-US" sz="1800" b="1" kern="1200" dirty="0"/>
             <a:t>Zoom</a:t>
           </a:r>
           <a:r>
-            <a:rPr lang="en-US" sz="1800" kern="1200"/>
+            <a:rPr lang="en-US" sz="1800" kern="1200" dirty="0"/>
             <a:t> or these can be </a:t>
           </a:r>
           <a:r>
-            <a:rPr lang="en-US" sz="1800" b="1" kern="1200"/>
+            <a:rPr lang="en-US" sz="1800" b="1" kern="1200" dirty="0"/>
             <a:t>face to face meetings</a:t>
           </a:r>
           <a:r>
-            <a:rPr lang="en-US" sz="1800" kern="1200"/>
+            <a:rPr lang="en-US" sz="1800" kern="1200" dirty="0"/>
             <a:t>.</a:t>
           </a:r>
         </a:p>
@@ -2687,7 +2677,7 @@
             <a:buNone/>
           </a:pPr>
           <a:r>
-            <a:rPr lang="en-US" sz="1800" kern="1200"/>
+            <a:rPr lang="en-US" sz="1800" kern="1200" dirty="0"/>
             <a:t>Meetings duration may vary, depends on the purpose of the meeting and problems being brought up.</a:t>
           </a:r>
         </a:p>
@@ -7403,9 +7393,10 @@
           <a:lstStyle/>
           <a:p>
             <a:r>
-              <a:rPr lang="en-US" dirty="0"/>
-              <a:t>Second week work distribution</a:t>
+              <a:rPr lang="en-US"/>
+              <a:t>Product backlog</a:t>
             </a:r>
+            <a:endParaRPr lang="en-US" dirty="0"/>
           </a:p>
         </p:txBody>
       </p:sp>
@@ -7425,14 +7416,14 @@
             <p:ph idx="1"/>
             <p:extLst>
               <p:ext uri="{D42A27DB-BD31-4B8C-83A1-F6EECF244321}">
-                <p14:modId xmlns:p14="http://schemas.microsoft.com/office/powerpoint/2010/main" val="3065803524"/>
+                <p14:modId xmlns:p14="http://schemas.microsoft.com/office/powerpoint/2010/main" val="1767882746"/>
               </p:ext>
             </p:extLst>
           </p:nvPr>
         </p:nvGraphicFramePr>
         <p:xfrm>
           <a:off x="838200" y="1825625"/>
-          <a:ext cx="10515597" cy="1112520"/>
+          <a:ext cx="10515597" cy="4414520"/>
         </p:xfrm>
         <a:graphic>
           <a:graphicData uri="http://schemas.openxmlformats.org/drawingml/2006/table">
@@ -7515,6 +7506,152 @@
                     <a:bodyPr/>
                     <a:lstStyle/>
                     <a:p>
+                      <a:r>
+                        <a:rPr lang="en-US" dirty="0"/>
+                        <a:t>How to setup Apache Server</a:t>
+                      </a:r>
+                    </a:p>
+                  </a:txBody>
+                  <a:tcPr/>
+                </a:tc>
+                <a:tc>
+                  <a:txBody>
+                    <a:bodyPr/>
+                    <a:lstStyle/>
+                    <a:p>
+                      <a:r>
+                        <a:rPr lang="en-US" dirty="0"/>
+                        <a:t>4 hours (First sprint)</a:t>
+                      </a:r>
+                    </a:p>
+                  </a:txBody>
+                  <a:tcPr/>
+                </a:tc>
+                <a:tc>
+                  <a:txBody>
+                    <a:bodyPr/>
+                    <a:lstStyle/>
+                    <a:p>
+                      <a:r>
+                        <a:rPr lang="en-US" dirty="0"/>
+                        <a:t>Dang Cong</a:t>
+                      </a:r>
+                    </a:p>
+                  </a:txBody>
+                  <a:tcPr/>
+                </a:tc>
+                <a:extLst>
+                  <a:ext uri="{0D108BD9-81ED-4DB2-BD59-A6C34878D82A}">
+                    <a16:rowId xmlns:a16="http://schemas.microsoft.com/office/drawing/2014/main" val="1407548024"/>
+                  </a:ext>
+                </a:extLst>
+              </a:tr>
+              <a:tr h="370840">
+                <a:tc>
+                  <a:txBody>
+                    <a:bodyPr/>
+                    <a:lstStyle/>
+                    <a:p>
+                      <a:r>
+                        <a:rPr lang="en-US" dirty="0"/>
+                        <a:t>Research how to read Apache log (raw event)</a:t>
+                      </a:r>
+                    </a:p>
+                  </a:txBody>
+                  <a:tcPr/>
+                </a:tc>
+                <a:tc>
+                  <a:txBody>
+                    <a:bodyPr/>
+                    <a:lstStyle/>
+                    <a:p>
+                      <a:r>
+                        <a:rPr lang="en-US" dirty="0"/>
+                        <a:t>6 hours (First sprint)</a:t>
+                      </a:r>
+                    </a:p>
+                  </a:txBody>
+                  <a:tcPr/>
+                </a:tc>
+                <a:tc>
+                  <a:txBody>
+                    <a:bodyPr/>
+                    <a:lstStyle/>
+                    <a:p>
+                      <a:r>
+                        <a:rPr lang="en-US" dirty="0"/>
+                        <a:t>Xuan Phuoc</a:t>
+                      </a:r>
+                    </a:p>
+                  </a:txBody>
+                  <a:tcPr/>
+                </a:tc>
+                <a:extLst>
+                  <a:ext uri="{0D108BD9-81ED-4DB2-BD59-A6C34878D82A}">
+                    <a16:rowId xmlns:a16="http://schemas.microsoft.com/office/drawing/2014/main" val="987982932"/>
+                  </a:ext>
+                </a:extLst>
+              </a:tr>
+              <a:tr h="370840">
+                <a:tc>
+                  <a:txBody>
+                    <a:bodyPr/>
+                    <a:lstStyle/>
+                    <a:p>
+                      <a:r>
+                        <a:rPr lang="en-US" dirty="0"/>
+                        <a:t>Research on how to use Pcap4J (raw event)</a:t>
+                      </a:r>
+                    </a:p>
+                  </a:txBody>
+                  <a:tcPr/>
+                </a:tc>
+                <a:tc>
+                  <a:txBody>
+                    <a:bodyPr/>
+                    <a:lstStyle/>
+                    <a:p>
+                      <a:r>
+                        <a:rPr lang="en-US" dirty="0"/>
+                        <a:t>7 hours (First sprint)</a:t>
+                      </a:r>
+                    </a:p>
+                  </a:txBody>
+                  <a:tcPr/>
+                </a:tc>
+                <a:tc>
+                  <a:txBody>
+                    <a:bodyPr/>
+                    <a:lstStyle/>
+                    <a:p>
+                      <a:r>
+                        <a:rPr lang="en-US" dirty="0"/>
+                        <a:t>Le Tung, Thanh An</a:t>
+                      </a:r>
+                    </a:p>
+                  </a:txBody>
+                  <a:tcPr/>
+                </a:tc>
+                <a:extLst>
+                  <a:ext uri="{0D108BD9-81ED-4DB2-BD59-A6C34878D82A}">
+                    <a16:rowId xmlns:a16="http://schemas.microsoft.com/office/drawing/2014/main" val="3433606028"/>
+                  </a:ext>
+                </a:extLst>
+              </a:tr>
+              <a:tr h="370840">
+                <a:tc>
+                  <a:txBody>
+                    <a:bodyPr/>
+                    <a:lstStyle/>
+                    <a:p>
+                      <a:r>
+                        <a:rPr lang="en-US" dirty="0"/>
+                        <a:t>Classify Apache log messages for </a:t>
+                      </a:r>
+                      <a:r>
+                        <a:rPr lang="en-US" dirty="0" err="1"/>
+                        <a:t>ConsecutiveFailedPasswordEvent</a:t>
+                      </a:r>
                       <a:endParaRPr lang="en-US" dirty="0"/>
                     </a:p>
                   </a:txBody>
@@ -7525,7 +7662,10 @@
                     <a:bodyPr/>
                     <a:lstStyle/>
                     <a:p>
-                      <a:endParaRPr lang="en-US" dirty="0"/>
+                      <a:r>
+                        <a:rPr lang="en-US" dirty="0"/>
+                        <a:t>10.5 hours (TBD)</a:t>
+                      </a:r>
                     </a:p>
                   </a:txBody>
                   <a:tcPr/>
@@ -7542,7 +7682,7 @@
                 </a:tc>
                 <a:extLst>
                   <a:ext uri="{0D108BD9-81ED-4DB2-BD59-A6C34878D82A}">
-                    <a16:rowId xmlns:a16="http://schemas.microsoft.com/office/drawing/2014/main" val="1407548024"/>
+                    <a16:rowId xmlns:a16="http://schemas.microsoft.com/office/drawing/2014/main" val="4085579226"/>
                   </a:ext>
                 </a:extLst>
               </a:tr>
@@ -7552,6 +7692,14 @@
                     <a:bodyPr/>
                     <a:lstStyle/>
                     <a:p>
+                      <a:r>
+                        <a:rPr lang="en-US" dirty="0"/>
+                        <a:t>Classify Apache log messages for </a:t>
+                      </a:r>
+                      <a:r>
+                        <a:rPr lang="en-US" dirty="0" err="1"/>
+                        <a:t>UnauthorizedAccessEvent</a:t>
+                      </a:r>
                       <a:endParaRPr lang="en-US" dirty="0"/>
                     </a:p>
                   </a:txBody>
@@ -7562,7 +7710,10 @@
                     <a:bodyPr/>
                     <a:lstStyle/>
                     <a:p>
-                      <a:endParaRPr lang="en-US"/>
+                      <a:r>
+                        <a:rPr lang="en-US" dirty="0"/>
+                        <a:t>10.5 hours (TBD)</a:t>
+                      </a:r>
                     </a:p>
                   </a:txBody>
                   <a:tcPr/>
@@ -7579,7 +7730,151 @@
                 </a:tc>
                 <a:extLst>
                   <a:ext uri="{0D108BD9-81ED-4DB2-BD59-A6C34878D82A}">
-                    <a16:rowId xmlns:a16="http://schemas.microsoft.com/office/drawing/2014/main" val="987982932"/>
+                    <a16:rowId xmlns:a16="http://schemas.microsoft.com/office/drawing/2014/main" val="2061710440"/>
+                  </a:ext>
+                </a:extLst>
+              </a:tr>
+              <a:tr h="370840">
+                <a:tc>
+                  <a:txBody>
+                    <a:bodyPr/>
+                    <a:lstStyle/>
+                    <a:p>
+                      <a:r>
+                        <a:rPr lang="en-US" dirty="0"/>
+                        <a:t>Detect </a:t>
+                      </a:r>
+                      <a:r>
+                        <a:rPr lang="en-US" dirty="0" err="1"/>
+                        <a:t>HorizontalPortScanEvent</a:t>
+                      </a:r>
+                      <a:endParaRPr lang="en-US" dirty="0"/>
+                    </a:p>
+                  </a:txBody>
+                  <a:tcPr/>
+                </a:tc>
+                <a:tc>
+                  <a:txBody>
+                    <a:bodyPr/>
+                    <a:lstStyle/>
+                    <a:p>
+                      <a:r>
+                        <a:rPr lang="en-US" dirty="0"/>
+                        <a:t>10.5 hours (TBD)</a:t>
+                      </a:r>
+                    </a:p>
+                  </a:txBody>
+                  <a:tcPr/>
+                </a:tc>
+                <a:tc>
+                  <a:txBody>
+                    <a:bodyPr/>
+                    <a:lstStyle/>
+                    <a:p>
+                      <a:endParaRPr lang="en-US" dirty="0"/>
+                    </a:p>
+                  </a:txBody>
+                  <a:tcPr/>
+                </a:tc>
+                <a:extLst>
+                  <a:ext uri="{0D108BD9-81ED-4DB2-BD59-A6C34878D82A}">
+                    <a16:rowId xmlns:a16="http://schemas.microsoft.com/office/drawing/2014/main" val="1475032108"/>
+                  </a:ext>
+                </a:extLst>
+              </a:tr>
+              <a:tr h="370840">
+                <a:tc>
+                  <a:txBody>
+                    <a:bodyPr/>
+                    <a:lstStyle/>
+                    <a:p>
+                      <a:r>
+                        <a:rPr lang="en-US" dirty="0"/>
+                        <a:t>Detect </a:t>
+                      </a:r>
+                      <a:r>
+                        <a:rPr lang="en-US" dirty="0" err="1"/>
+                        <a:t>BlockPortScanEvent</a:t>
+                      </a:r>
+                      <a:endParaRPr lang="en-US" dirty="0"/>
+                    </a:p>
+                  </a:txBody>
+                  <a:tcPr/>
+                </a:tc>
+                <a:tc>
+                  <a:txBody>
+                    <a:bodyPr/>
+                    <a:lstStyle/>
+                    <a:p>
+                      <a:r>
+                        <a:rPr lang="en-US" dirty="0"/>
+                        <a:t>10.5 hours (TBD)</a:t>
+                      </a:r>
+                    </a:p>
+                  </a:txBody>
+                  <a:tcPr/>
+                </a:tc>
+                <a:tc>
+                  <a:txBody>
+                    <a:bodyPr/>
+                    <a:lstStyle/>
+                    <a:p>
+                      <a:endParaRPr lang="en-US" dirty="0"/>
+                    </a:p>
+                  </a:txBody>
+                  <a:tcPr/>
+                </a:tc>
+                <a:extLst>
+                  <a:ext uri="{0D108BD9-81ED-4DB2-BD59-A6C34878D82A}">
+                    <a16:rowId xmlns:a16="http://schemas.microsoft.com/office/drawing/2014/main" val="2724210808"/>
+                  </a:ext>
+                </a:extLst>
+              </a:tr>
+              <a:tr h="370840">
+                <a:tc>
+                  <a:txBody>
+                    <a:bodyPr/>
+                    <a:lstStyle/>
+                    <a:p>
+                      <a:r>
+                        <a:rPr lang="en-US" dirty="0"/>
+                        <a:t>Detect </a:t>
+                      </a:r>
+                      <a:r>
+                        <a:rPr lang="en-US" dirty="0" err="1"/>
+                        <a:t>VerticalPortScanEvent</a:t>
+                      </a:r>
+                      <a:endParaRPr lang="en-US" dirty="0"/>
+                    </a:p>
+                  </a:txBody>
+                  <a:tcPr/>
+                </a:tc>
+                <a:tc>
+                  <a:txBody>
+                    <a:bodyPr/>
+                    <a:lstStyle/>
+                    <a:p>
+                      <a:r>
+                        <a:rPr lang="en-US" dirty="0"/>
+                        <a:t>10.5 hours (TBD)</a:t>
+                      </a:r>
+                    </a:p>
+                  </a:txBody>
+                  <a:tcPr/>
+                </a:tc>
+                <a:tc>
+                  <a:txBody>
+                    <a:bodyPr/>
+                    <a:lstStyle/>
+                    <a:p>
+                      <a:endParaRPr lang="en-US" dirty="0"/>
+                    </a:p>
+                  </a:txBody>
+                  <a:tcPr/>
+                </a:tc>
+                <a:extLst>
+                  <a:ext uri="{0D108BD9-81ED-4DB2-BD59-A6C34878D82A}">
+                    <a16:rowId xmlns:a16="http://schemas.microsoft.com/office/drawing/2014/main" val="2169374770"/>
                   </a:ext>
                 </a:extLst>
               </a:tr>
@@ -7824,7 +8119,7 @@
             <p:ph idx="1"/>
             <p:extLst>
               <p:ext uri="{D42A27DB-BD31-4B8C-83A1-F6EECF244321}">
-                <p14:modId xmlns:p14="http://schemas.microsoft.com/office/powerpoint/2010/main" val="1898810735"/>
+                <p14:modId xmlns:p14="http://schemas.microsoft.com/office/powerpoint/2010/main" val="80005644"/>
               </p:ext>
             </p:extLst>
           </p:nvPr>

--- a/SecondWeek-Presentation.pptx
+++ b/SecondWeek-Presentation.pptx
@@ -107,6 +107,11 @@
       </a:defRPr>
     </a:lvl9pPr>
   </p:defaultTextStyle>
+  <p:extLst>
+    <p:ext uri="{EFAFB233-063F-42B5-8137-9DF3F51BA10A}">
+      <p15:sldGuideLst xmlns:p15="http://schemas.microsoft.com/office/powerpoint/2012/main"/>
+    </p:ext>
+  </p:extLst>
 </p:presentation>
 </file>
 
@@ -7315,7 +7320,7 @@
           <a:p>
             <a:r>
               <a:rPr lang="en-US" dirty="0"/>
-              <a:t>Team leader: Vo Le Tung 	contact email: 13105@gmail.com</a:t>
+              <a:t>Team leader: Vo Le Tung 	contact email: 13105@student.vgu.edu.vn</a:t>
             </a:r>
           </a:p>
           <a:p>
@@ -7416,7 +7421,7 @@
             <p:ph idx="1"/>
             <p:extLst>
               <p:ext uri="{D42A27DB-BD31-4B8C-83A1-F6EECF244321}">
-                <p14:modId xmlns:p14="http://schemas.microsoft.com/office/powerpoint/2010/main" val="1767882746"/>
+                <p14:modId xmlns:p14="http://schemas.microsoft.com/office/powerpoint/2010/main" val="361143598"/>
               </p:ext>
             </p:extLst>
           </p:nvPr>
@@ -7626,7 +7631,7 @@
                     <a:p>
                       <a:r>
                         <a:rPr lang="en-US" dirty="0"/>
-                        <a:t>Le Tung, Thanh An</a:t>
+                        <a:t>Thanh An</a:t>
                       </a:r>
                     </a:p>
                   </a:txBody>
@@ -7867,7 +7872,10 @@
                     <a:bodyPr/>
                     <a:lstStyle/>
                     <a:p>
-                      <a:endParaRPr lang="en-US" dirty="0"/>
+                      <a:r>
+                        <a:rPr lang="en-US" dirty="0"/>
+                        <a:t>Le Tung</a:t>
+                      </a:r>
                     </a:p>
                   </a:txBody>
                   <a:tcPr/>

--- a/SecondWeek-Presentation.pptx
+++ b/SecondWeek-Presentation.pptx
@@ -9,6 +9,11 @@
     <p:sldId id="260" r:id="rId3"/>
     <p:sldId id="257" r:id="rId4"/>
     <p:sldId id="258" r:id="rId5"/>
+    <p:sldId id="265" r:id="rId6"/>
+    <p:sldId id="261" r:id="rId7"/>
+    <p:sldId id="262" r:id="rId8"/>
+    <p:sldId id="263" r:id="rId9"/>
+    <p:sldId id="264" r:id="rId10"/>
   </p:sldIdLst>
   <p:sldSz cx="12192000" cy="6858000"/>
   <p:notesSz cx="6858000" cy="9144000"/>
@@ -8420,6 +8425,463 @@
 </p:sld>
 </file>
 
+<file path=ppt/slides/slide5.xml><?xml version="1.0" encoding="utf-8"?>
+<p:sld xmlns:a="http://schemas.openxmlformats.org/drawingml/2006/main" xmlns:r="http://schemas.openxmlformats.org/officeDocument/2006/relationships" xmlns:p="http://schemas.openxmlformats.org/presentationml/2006/main">
+  <p:cSld>
+    <p:spTree>
+      <p:nvGrpSpPr>
+        <p:cNvPr id="1" name=""/>
+        <p:cNvGrpSpPr/>
+        <p:nvPr/>
+      </p:nvGrpSpPr>
+      <p:grpSpPr>
+        <a:xfrm>
+          <a:off x="0" y="0"/>
+          <a:ext cx="0" cy="0"/>
+          <a:chOff x="0" y="0"/>
+          <a:chExt cx="0" cy="0"/>
+        </a:xfrm>
+      </p:grpSpPr>
+      <p:sp>
+        <p:nvSpPr>
+          <p:cNvPr id="2" name="Title 1">
+            <a:extLst>
+              <a:ext uri="{FF2B5EF4-FFF2-40B4-BE49-F238E27FC236}">
+                <a16:creationId xmlns:a16="http://schemas.microsoft.com/office/drawing/2014/main" id="{C90F0509-ABBF-4840-A769-E707D6107DC2}"/>
+              </a:ext>
+            </a:extLst>
+          </p:cNvPr>
+          <p:cNvSpPr>
+            <a:spLocks noGrp="1"/>
+          </p:cNvSpPr>
+          <p:nvPr>
+            <p:ph type="title"/>
+          </p:nvPr>
+        </p:nvSpPr>
+        <p:spPr/>
+        <p:txBody>
+          <a:bodyPr/>
+          <a:lstStyle/>
+          <a:p>
+            <a:r>
+              <a:rPr lang="en-US" dirty="0"/>
+              <a:t>This week plan</a:t>
+            </a:r>
+          </a:p>
+        </p:txBody>
+      </p:sp>
+      <p:sp>
+        <p:nvSpPr>
+          <p:cNvPr id="3" name="Content Placeholder 2">
+            <a:extLst>
+              <a:ext uri="{FF2B5EF4-FFF2-40B4-BE49-F238E27FC236}">
+                <a16:creationId xmlns:a16="http://schemas.microsoft.com/office/drawing/2014/main" id="{BDE018D0-CD08-4A15-B0EE-07C2F090E28C}"/>
+              </a:ext>
+            </a:extLst>
+          </p:cNvPr>
+          <p:cNvSpPr>
+            <a:spLocks noGrp="1"/>
+          </p:cNvSpPr>
+          <p:nvPr>
+            <p:ph idx="1"/>
+          </p:nvPr>
+        </p:nvSpPr>
+        <p:spPr/>
+        <p:txBody>
+          <a:bodyPr/>
+          <a:lstStyle/>
+          <a:p>
+            <a:r>
+              <a:rPr lang="en-US" dirty="0"/>
+              <a:t>Each team member is assigned to one task.</a:t>
+            </a:r>
+          </a:p>
+          <a:p>
+            <a:r>
+              <a:rPr lang="en-US" dirty="0"/>
+              <a:t>Continue taking items from the product backlog after finishing a task.</a:t>
+            </a:r>
+          </a:p>
+        </p:txBody>
+      </p:sp>
+    </p:spTree>
+    <p:extLst>
+      <p:ext uri="{BB962C8B-B14F-4D97-AF65-F5344CB8AC3E}">
+        <p14:creationId xmlns:p14="http://schemas.microsoft.com/office/powerpoint/2010/main" val="2460300087"/>
+      </p:ext>
+    </p:extLst>
+  </p:cSld>
+  <p:clrMapOvr>
+    <a:masterClrMapping/>
+  </p:clrMapOvr>
+</p:sld>
+</file>
+
+<file path=ppt/slides/slide6.xml><?xml version="1.0" encoding="utf-8"?>
+<p:sld xmlns:a="http://schemas.openxmlformats.org/drawingml/2006/main" xmlns:r="http://schemas.openxmlformats.org/officeDocument/2006/relationships" xmlns:p="http://schemas.openxmlformats.org/presentationml/2006/main">
+  <p:cSld>
+    <p:spTree>
+      <p:nvGrpSpPr>
+        <p:cNvPr id="1" name=""/>
+        <p:cNvGrpSpPr/>
+        <p:nvPr/>
+      </p:nvGrpSpPr>
+      <p:grpSpPr>
+        <a:xfrm>
+          <a:off x="0" y="0"/>
+          <a:ext cx="0" cy="0"/>
+          <a:chOff x="0" y="0"/>
+          <a:chExt cx="0" cy="0"/>
+        </a:xfrm>
+      </p:grpSpPr>
+      <p:sp>
+        <p:nvSpPr>
+          <p:cNvPr id="2" name="Title 1">
+            <a:extLst>
+              <a:ext uri="{FF2B5EF4-FFF2-40B4-BE49-F238E27FC236}">
+                <a16:creationId xmlns:a16="http://schemas.microsoft.com/office/drawing/2014/main" id="{19F4FF33-CC58-4F4C-B0C1-36A16FD8DAF0}"/>
+              </a:ext>
+            </a:extLst>
+          </p:cNvPr>
+          <p:cNvSpPr>
+            <a:spLocks noGrp="1"/>
+          </p:cNvSpPr>
+          <p:nvPr>
+            <p:ph type="title"/>
+          </p:nvPr>
+        </p:nvSpPr>
+        <p:spPr/>
+        <p:txBody>
+          <a:bodyPr/>
+          <a:lstStyle/>
+          <a:p>
+            <a:r>
+              <a:rPr lang="en-US" dirty="0"/>
+              <a:t>This week plan – Setting up Apache server</a:t>
+            </a:r>
+          </a:p>
+        </p:txBody>
+      </p:sp>
+      <p:pic>
+        <p:nvPicPr>
+          <p:cNvPr id="4" name="Content Placeholder 3">
+            <a:extLst>
+              <a:ext uri="{FF2B5EF4-FFF2-40B4-BE49-F238E27FC236}">
+                <a16:creationId xmlns:a16="http://schemas.microsoft.com/office/drawing/2014/main" id="{07F13EB8-165C-4DBD-881F-72E44172C619}"/>
+              </a:ext>
+            </a:extLst>
+          </p:cNvPr>
+          <p:cNvPicPr>
+            <a:picLocks noGrp="1" noChangeAspect="1"/>
+          </p:cNvPicPr>
+          <p:nvPr>
+            <p:ph idx="1"/>
+          </p:nvPr>
+        </p:nvPicPr>
+        <p:blipFill>
+          <a:blip r:embed="rId2"/>
+          <a:stretch>
+            <a:fillRect/>
+          </a:stretch>
+        </p:blipFill>
+        <p:spPr>
+          <a:xfrm>
+            <a:off x="1257640" y="1825625"/>
+            <a:ext cx="9676720" cy="4351338"/>
+          </a:xfrm>
+          <a:prstGeom prst="rect">
+            <a:avLst/>
+          </a:prstGeom>
+        </p:spPr>
+      </p:pic>
+    </p:spTree>
+    <p:extLst>
+      <p:ext uri="{BB962C8B-B14F-4D97-AF65-F5344CB8AC3E}">
+        <p14:creationId xmlns:p14="http://schemas.microsoft.com/office/powerpoint/2010/main" val="1315860533"/>
+      </p:ext>
+    </p:extLst>
+  </p:cSld>
+  <p:clrMapOvr>
+    <a:masterClrMapping/>
+  </p:clrMapOvr>
+</p:sld>
+</file>
+
+<file path=ppt/slides/slide7.xml><?xml version="1.0" encoding="utf-8"?>
+<p:sld xmlns:a="http://schemas.openxmlformats.org/drawingml/2006/main" xmlns:r="http://schemas.openxmlformats.org/officeDocument/2006/relationships" xmlns:p="http://schemas.openxmlformats.org/presentationml/2006/main">
+  <p:cSld>
+    <p:spTree>
+      <p:nvGrpSpPr>
+        <p:cNvPr id="1" name=""/>
+        <p:cNvGrpSpPr/>
+        <p:nvPr/>
+      </p:nvGrpSpPr>
+      <p:grpSpPr>
+        <a:xfrm>
+          <a:off x="0" y="0"/>
+          <a:ext cx="0" cy="0"/>
+          <a:chOff x="0" y="0"/>
+          <a:chExt cx="0" cy="0"/>
+        </a:xfrm>
+      </p:grpSpPr>
+      <p:sp>
+        <p:nvSpPr>
+          <p:cNvPr id="2" name="Title 1">
+            <a:extLst>
+              <a:ext uri="{FF2B5EF4-FFF2-40B4-BE49-F238E27FC236}">
+                <a16:creationId xmlns:a16="http://schemas.microsoft.com/office/drawing/2014/main" id="{4154DF2F-28ED-4324-B322-608B14396D31}"/>
+              </a:ext>
+            </a:extLst>
+          </p:cNvPr>
+          <p:cNvSpPr>
+            <a:spLocks noGrp="1"/>
+          </p:cNvSpPr>
+          <p:nvPr>
+            <p:ph type="title"/>
+          </p:nvPr>
+        </p:nvSpPr>
+        <p:spPr/>
+        <p:txBody>
+          <a:bodyPr/>
+          <a:lstStyle/>
+          <a:p>
+            <a:r>
+              <a:rPr lang="en-US" dirty="0"/>
+              <a:t>This week plan – Research on how to read Apache log</a:t>
+            </a:r>
+          </a:p>
+        </p:txBody>
+      </p:sp>
+      <p:pic>
+        <p:nvPicPr>
+          <p:cNvPr id="4" name="Content Placeholder 3">
+            <a:extLst>
+              <a:ext uri="{FF2B5EF4-FFF2-40B4-BE49-F238E27FC236}">
+                <a16:creationId xmlns:a16="http://schemas.microsoft.com/office/drawing/2014/main" id="{A1EFBCE4-E551-451B-9375-9D13AF0DBA1F}"/>
+              </a:ext>
+            </a:extLst>
+          </p:cNvPr>
+          <p:cNvPicPr>
+            <a:picLocks noGrp="1" noChangeAspect="1"/>
+          </p:cNvPicPr>
+          <p:nvPr>
+            <p:ph idx="1"/>
+          </p:nvPr>
+        </p:nvPicPr>
+        <p:blipFill>
+          <a:blip r:embed="rId2"/>
+          <a:stretch>
+            <a:fillRect/>
+          </a:stretch>
+        </p:blipFill>
+        <p:spPr>
+          <a:xfrm>
+            <a:off x="1524067" y="1825625"/>
+            <a:ext cx="9143865" cy="4351338"/>
+          </a:xfrm>
+          <a:prstGeom prst="rect">
+            <a:avLst/>
+          </a:prstGeom>
+        </p:spPr>
+      </p:pic>
+    </p:spTree>
+    <p:extLst>
+      <p:ext uri="{BB962C8B-B14F-4D97-AF65-F5344CB8AC3E}">
+        <p14:creationId xmlns:p14="http://schemas.microsoft.com/office/powerpoint/2010/main" val="2530740498"/>
+      </p:ext>
+    </p:extLst>
+  </p:cSld>
+  <p:clrMapOvr>
+    <a:masterClrMapping/>
+  </p:clrMapOvr>
+</p:sld>
+</file>
+
+<file path=ppt/slides/slide8.xml><?xml version="1.0" encoding="utf-8"?>
+<p:sld xmlns:a="http://schemas.openxmlformats.org/drawingml/2006/main" xmlns:r="http://schemas.openxmlformats.org/officeDocument/2006/relationships" xmlns:p="http://schemas.openxmlformats.org/presentationml/2006/main">
+  <p:cSld>
+    <p:spTree>
+      <p:nvGrpSpPr>
+        <p:cNvPr id="1" name=""/>
+        <p:cNvGrpSpPr/>
+        <p:nvPr/>
+      </p:nvGrpSpPr>
+      <p:grpSpPr>
+        <a:xfrm>
+          <a:off x="0" y="0"/>
+          <a:ext cx="0" cy="0"/>
+          <a:chOff x="0" y="0"/>
+          <a:chExt cx="0" cy="0"/>
+        </a:xfrm>
+      </p:grpSpPr>
+      <p:sp>
+        <p:nvSpPr>
+          <p:cNvPr id="2" name="Title 1">
+            <a:extLst>
+              <a:ext uri="{FF2B5EF4-FFF2-40B4-BE49-F238E27FC236}">
+                <a16:creationId xmlns:a16="http://schemas.microsoft.com/office/drawing/2014/main" id="{A365076D-8F61-4CF9-8953-DDFF3E2BE6EB}"/>
+              </a:ext>
+            </a:extLst>
+          </p:cNvPr>
+          <p:cNvSpPr>
+            <a:spLocks noGrp="1"/>
+          </p:cNvSpPr>
+          <p:nvPr>
+            <p:ph type="title"/>
+          </p:nvPr>
+        </p:nvSpPr>
+        <p:spPr/>
+        <p:txBody>
+          <a:bodyPr/>
+          <a:lstStyle/>
+          <a:p>
+            <a:r>
+              <a:rPr lang="en-US" dirty="0"/>
+              <a:t>This week plan – Research on how to use Pcap4J</a:t>
+            </a:r>
+          </a:p>
+        </p:txBody>
+      </p:sp>
+      <p:pic>
+        <p:nvPicPr>
+          <p:cNvPr id="4" name="Content Placeholder 3">
+            <a:extLst>
+              <a:ext uri="{FF2B5EF4-FFF2-40B4-BE49-F238E27FC236}">
+                <a16:creationId xmlns:a16="http://schemas.microsoft.com/office/drawing/2014/main" id="{68952B44-F93A-4B64-BF8C-C8DC789A30F1}"/>
+              </a:ext>
+            </a:extLst>
+          </p:cNvPr>
+          <p:cNvPicPr>
+            <a:picLocks noGrp="1" noChangeAspect="1"/>
+          </p:cNvPicPr>
+          <p:nvPr>
+            <p:ph idx="1"/>
+          </p:nvPr>
+        </p:nvPicPr>
+        <p:blipFill>
+          <a:blip r:embed="rId2"/>
+          <a:stretch>
+            <a:fillRect/>
+          </a:stretch>
+        </p:blipFill>
+        <p:spPr>
+          <a:xfrm>
+            <a:off x="1289501" y="1825625"/>
+            <a:ext cx="9612997" cy="4351338"/>
+          </a:xfrm>
+          <a:prstGeom prst="rect">
+            <a:avLst/>
+          </a:prstGeom>
+        </p:spPr>
+      </p:pic>
+    </p:spTree>
+    <p:extLst>
+      <p:ext uri="{BB962C8B-B14F-4D97-AF65-F5344CB8AC3E}">
+        <p14:creationId xmlns:p14="http://schemas.microsoft.com/office/powerpoint/2010/main" val="1925543219"/>
+      </p:ext>
+    </p:extLst>
+  </p:cSld>
+  <p:clrMapOvr>
+    <a:masterClrMapping/>
+  </p:clrMapOvr>
+</p:sld>
+</file>
+
+<file path=ppt/slides/slide9.xml><?xml version="1.0" encoding="utf-8"?>
+<p:sld xmlns:a="http://schemas.openxmlformats.org/drawingml/2006/main" xmlns:r="http://schemas.openxmlformats.org/officeDocument/2006/relationships" xmlns:p="http://schemas.openxmlformats.org/presentationml/2006/main">
+  <p:cSld>
+    <p:spTree>
+      <p:nvGrpSpPr>
+        <p:cNvPr id="1" name=""/>
+        <p:cNvGrpSpPr/>
+        <p:nvPr/>
+      </p:nvGrpSpPr>
+      <p:grpSpPr>
+        <a:xfrm>
+          <a:off x="0" y="0"/>
+          <a:ext cx="0" cy="0"/>
+          <a:chOff x="0" y="0"/>
+          <a:chExt cx="0" cy="0"/>
+        </a:xfrm>
+      </p:grpSpPr>
+      <p:sp>
+        <p:nvSpPr>
+          <p:cNvPr id="2" name="Title 1">
+            <a:extLst>
+              <a:ext uri="{FF2B5EF4-FFF2-40B4-BE49-F238E27FC236}">
+                <a16:creationId xmlns:a16="http://schemas.microsoft.com/office/drawing/2014/main" id="{9BB25E1A-531D-416F-8A9B-B5687B32A6B4}"/>
+              </a:ext>
+            </a:extLst>
+          </p:cNvPr>
+          <p:cNvSpPr>
+            <a:spLocks noGrp="1"/>
+          </p:cNvSpPr>
+          <p:nvPr>
+            <p:ph type="title"/>
+          </p:nvPr>
+        </p:nvSpPr>
+        <p:spPr/>
+        <p:txBody>
+          <a:bodyPr/>
+          <a:lstStyle/>
+          <a:p>
+            <a:r>
+              <a:rPr lang="en-US" dirty="0"/>
+              <a:t>This week plan – Detect </a:t>
+            </a:r>
+            <a:r>
+              <a:rPr lang="en-US" dirty="0" err="1"/>
+              <a:t>VerticalPortScanEvent</a:t>
+            </a:r>
+            <a:endParaRPr lang="en-US" dirty="0"/>
+          </a:p>
+        </p:txBody>
+      </p:sp>
+      <p:pic>
+        <p:nvPicPr>
+          <p:cNvPr id="4" name="Content Placeholder 3">
+            <a:extLst>
+              <a:ext uri="{FF2B5EF4-FFF2-40B4-BE49-F238E27FC236}">
+                <a16:creationId xmlns:a16="http://schemas.microsoft.com/office/drawing/2014/main" id="{4815BCA4-68BD-4208-9778-53DF8C5577C5}"/>
+              </a:ext>
+            </a:extLst>
+          </p:cNvPr>
+          <p:cNvPicPr>
+            <a:picLocks noGrp="1" noChangeAspect="1"/>
+          </p:cNvPicPr>
+          <p:nvPr>
+            <p:ph idx="1"/>
+          </p:nvPr>
+        </p:nvPicPr>
+        <p:blipFill>
+          <a:blip r:embed="rId2"/>
+          <a:stretch>
+            <a:fillRect/>
+          </a:stretch>
+        </p:blipFill>
+        <p:spPr>
+          <a:xfrm>
+            <a:off x="1156391" y="1825625"/>
+            <a:ext cx="9879218" cy="4351338"/>
+          </a:xfrm>
+          <a:prstGeom prst="rect">
+            <a:avLst/>
+          </a:prstGeom>
+        </p:spPr>
+      </p:pic>
+    </p:spTree>
+    <p:extLst>
+      <p:ext uri="{BB962C8B-B14F-4D97-AF65-F5344CB8AC3E}">
+        <p14:creationId xmlns:p14="http://schemas.microsoft.com/office/powerpoint/2010/main" val="1165312526"/>
+      </p:ext>
+    </p:extLst>
+  </p:cSld>
+  <p:clrMapOvr>
+    <a:masterClrMapping/>
+  </p:clrMapOvr>
+</p:sld>
+</file>
+
 <file path=ppt/theme/theme1.xml><?xml version="1.0" encoding="utf-8"?>
 <a:theme xmlns:a="http://schemas.openxmlformats.org/drawingml/2006/main" name="Office Theme">
   <a:themeElements>

--- a/SecondWeek-Presentation.pptx
+++ b/SecondWeek-Presentation.pptx
@@ -3971,7 +3971,7 @@
       </p:grpSpPr>
       <p:sp>
         <p:nvSpPr>
-          <p:cNvPr id="26" name="PlaceHolder 1"/>
+          <p:cNvPr id="23" name="PlaceHolder 1"/>
           <p:cNvSpPr>
             <a:spLocks noGrp="1"/>
           </p:cNvSpPr>
@@ -3981,8 +3981,8 @@
         </p:nvSpPr>
         <p:spPr>
           <a:xfrm>
-            <a:off x="838080" y="365040"/>
-            <a:ext cx="10515240" cy="1325160"/>
+            <a:off x="609480" y="273600"/>
+            <a:ext cx="10972440" cy="1144800"/>
           </a:xfrm>
           <a:prstGeom prst="rect">
             <a:avLst/>
@@ -3993,18 +3993,16 @@
             <a:noAutofit/>
           </a:bodyPr>
           <a:p>
-            <a:endParaRPr b="0" lang="en-US" sz="1800" spc="-1" strike="noStrike">
-              <a:solidFill>
-                <a:srgbClr val="000000"/>
-              </a:solidFill>
-              <a:latin typeface="Calibri"/>
+            <a:pPr algn="ctr"/>
+            <a:endParaRPr b="0" lang="en-US" sz="4400" spc="-1" strike="noStrike">
+              <a:latin typeface="Arial"/>
             </a:endParaRPr>
           </a:p>
         </p:txBody>
       </p:sp>
       <p:sp>
         <p:nvSpPr>
-          <p:cNvPr id="27" name="PlaceHolder 2"/>
+          <p:cNvPr id="24" name="PlaceHolder 2"/>
           <p:cNvSpPr>
             <a:spLocks noGrp="1"/>
           </p:cNvSpPr>
@@ -4014,8 +4012,8 @@
         </p:nvSpPr>
         <p:spPr>
           <a:xfrm>
-            <a:off x="838080" y="1825560"/>
-            <a:ext cx="10515240" cy="2075040"/>
+            <a:off x="609480" y="1604520"/>
+            <a:ext cx="10972440" cy="1896840"/>
           </a:xfrm>
           <a:prstGeom prst="rect">
             <a:avLst/>
@@ -4026,18 +4024,15 @@
             <a:normAutofit/>
           </a:bodyPr>
           <a:p>
-            <a:endParaRPr b="0" lang="en-US" sz="2800" spc="-1" strike="noStrike">
-              <a:solidFill>
-                <a:srgbClr val="000000"/>
-              </a:solidFill>
-              <a:latin typeface="Calibri"/>
+            <a:endParaRPr b="0" lang="en-US" sz="3200" spc="-1" strike="noStrike">
+              <a:latin typeface="Arial"/>
             </a:endParaRPr>
           </a:p>
         </p:txBody>
       </p:sp>
       <p:sp>
         <p:nvSpPr>
-          <p:cNvPr id="28" name="PlaceHolder 3"/>
+          <p:cNvPr id="25" name="PlaceHolder 3"/>
           <p:cNvSpPr>
             <a:spLocks noGrp="1"/>
           </p:cNvSpPr>
@@ -4047,8 +4042,8 @@
         </p:nvSpPr>
         <p:spPr>
           <a:xfrm>
-            <a:off x="838080" y="4098240"/>
-            <a:ext cx="10515240" cy="2075040"/>
+            <a:off x="609480" y="3682080"/>
+            <a:ext cx="10972440" cy="1896840"/>
           </a:xfrm>
           <a:prstGeom prst="rect">
             <a:avLst/>
@@ -4059,11 +4054,8 @@
             <a:normAutofit/>
           </a:bodyPr>
           <a:p>
-            <a:endParaRPr b="0" lang="en-US" sz="2800" spc="-1" strike="noStrike">
-              <a:solidFill>
-                <a:srgbClr val="000000"/>
-              </a:solidFill>
-              <a:latin typeface="Calibri"/>
+            <a:endParaRPr b="0" lang="en-US" sz="3200" spc="-1" strike="noStrike">
+              <a:latin typeface="Arial"/>
             </a:endParaRPr>
           </a:p>
         </p:txBody>
@@ -4092,7 +4084,7 @@
       </p:grpSpPr>
       <p:sp>
         <p:nvSpPr>
-          <p:cNvPr id="29" name="PlaceHolder 1"/>
+          <p:cNvPr id="26" name="PlaceHolder 1"/>
           <p:cNvSpPr>
             <a:spLocks noGrp="1"/>
           </p:cNvSpPr>
@@ -4102,8 +4094,8 @@
         </p:nvSpPr>
         <p:spPr>
           <a:xfrm>
-            <a:off x="838080" y="365040"/>
-            <a:ext cx="10515240" cy="1325160"/>
+            <a:off x="609480" y="273600"/>
+            <a:ext cx="10972440" cy="1144800"/>
           </a:xfrm>
           <a:prstGeom prst="rect">
             <a:avLst/>
@@ -4114,18 +4106,16 @@
             <a:noAutofit/>
           </a:bodyPr>
           <a:p>
-            <a:endParaRPr b="0" lang="en-US" sz="1800" spc="-1" strike="noStrike">
-              <a:solidFill>
-                <a:srgbClr val="000000"/>
-              </a:solidFill>
-              <a:latin typeface="Calibri"/>
+            <a:pPr algn="ctr"/>
+            <a:endParaRPr b="0" lang="en-US" sz="4400" spc="-1" strike="noStrike">
+              <a:latin typeface="Arial"/>
             </a:endParaRPr>
           </a:p>
         </p:txBody>
       </p:sp>
       <p:sp>
         <p:nvSpPr>
-          <p:cNvPr id="30" name="PlaceHolder 2"/>
+          <p:cNvPr id="27" name="PlaceHolder 2"/>
           <p:cNvSpPr>
             <a:spLocks noGrp="1"/>
           </p:cNvSpPr>
@@ -4135,8 +4125,8 @@
         </p:nvSpPr>
         <p:spPr>
           <a:xfrm>
-            <a:off x="838080" y="1825560"/>
-            <a:ext cx="5131080" cy="2075040"/>
+            <a:off x="609480" y="1604520"/>
+            <a:ext cx="5354280" cy="1896840"/>
           </a:xfrm>
           <a:prstGeom prst="rect">
             <a:avLst/>
@@ -4147,18 +4137,15 @@
             <a:normAutofit/>
           </a:bodyPr>
           <a:p>
-            <a:endParaRPr b="0" lang="en-US" sz="2800" spc="-1" strike="noStrike">
-              <a:solidFill>
-                <a:srgbClr val="000000"/>
-              </a:solidFill>
-              <a:latin typeface="Calibri"/>
+            <a:endParaRPr b="0" lang="en-US" sz="3200" spc="-1" strike="noStrike">
+              <a:latin typeface="Arial"/>
             </a:endParaRPr>
           </a:p>
         </p:txBody>
       </p:sp>
       <p:sp>
         <p:nvSpPr>
-          <p:cNvPr id="31" name="PlaceHolder 3"/>
+          <p:cNvPr id="28" name="PlaceHolder 3"/>
           <p:cNvSpPr>
             <a:spLocks noGrp="1"/>
           </p:cNvSpPr>
@@ -4168,8 +4155,8 @@
         </p:nvSpPr>
         <p:spPr>
           <a:xfrm>
-            <a:off x="6226200" y="1825560"/>
-            <a:ext cx="5131080" cy="2075040"/>
+            <a:off x="6231960" y="1604520"/>
+            <a:ext cx="5354280" cy="1896840"/>
           </a:xfrm>
           <a:prstGeom prst="rect">
             <a:avLst/>
@@ -4180,18 +4167,15 @@
             <a:normAutofit/>
           </a:bodyPr>
           <a:p>
-            <a:endParaRPr b="0" lang="en-US" sz="2800" spc="-1" strike="noStrike">
-              <a:solidFill>
-                <a:srgbClr val="000000"/>
-              </a:solidFill>
-              <a:latin typeface="Calibri"/>
+            <a:endParaRPr b="0" lang="en-US" sz="3200" spc="-1" strike="noStrike">
+              <a:latin typeface="Arial"/>
             </a:endParaRPr>
           </a:p>
         </p:txBody>
       </p:sp>
       <p:sp>
         <p:nvSpPr>
-          <p:cNvPr id="32" name="PlaceHolder 4"/>
+          <p:cNvPr id="29" name="PlaceHolder 4"/>
           <p:cNvSpPr>
             <a:spLocks noGrp="1"/>
           </p:cNvSpPr>
@@ -4201,8 +4185,8 @@
         </p:nvSpPr>
         <p:spPr>
           <a:xfrm>
-            <a:off x="838080" y="4098240"/>
-            <a:ext cx="5131080" cy="2075040"/>
+            <a:off x="609480" y="3682080"/>
+            <a:ext cx="5354280" cy="1896840"/>
           </a:xfrm>
           <a:prstGeom prst="rect">
             <a:avLst/>
@@ -4213,18 +4197,15 @@
             <a:normAutofit/>
           </a:bodyPr>
           <a:p>
-            <a:endParaRPr b="0" lang="en-US" sz="2800" spc="-1" strike="noStrike">
-              <a:solidFill>
-                <a:srgbClr val="000000"/>
-              </a:solidFill>
-              <a:latin typeface="Calibri"/>
+            <a:endParaRPr b="0" lang="en-US" sz="3200" spc="-1" strike="noStrike">
+              <a:latin typeface="Arial"/>
             </a:endParaRPr>
           </a:p>
         </p:txBody>
       </p:sp>
       <p:sp>
         <p:nvSpPr>
-          <p:cNvPr id="33" name="PlaceHolder 5"/>
+          <p:cNvPr id="30" name="PlaceHolder 5"/>
           <p:cNvSpPr>
             <a:spLocks noGrp="1"/>
           </p:cNvSpPr>
@@ -4234,8 +4215,8 @@
         </p:nvSpPr>
         <p:spPr>
           <a:xfrm>
-            <a:off x="6226200" y="4098240"/>
-            <a:ext cx="5131080" cy="2075040"/>
+            <a:off x="6231960" y="3682080"/>
+            <a:ext cx="5354280" cy="1896840"/>
           </a:xfrm>
           <a:prstGeom prst="rect">
             <a:avLst/>
@@ -4246,11 +4227,8 @@
             <a:normAutofit/>
           </a:bodyPr>
           <a:p>
-            <a:endParaRPr b="0" lang="en-US" sz="2800" spc="-1" strike="noStrike">
-              <a:solidFill>
-                <a:srgbClr val="000000"/>
-              </a:solidFill>
-              <a:latin typeface="Calibri"/>
+            <a:endParaRPr b="0" lang="en-US" sz="3200" spc="-1" strike="noStrike">
+              <a:latin typeface="Arial"/>
             </a:endParaRPr>
           </a:p>
         </p:txBody>
@@ -4279,7 +4257,7 @@
       </p:grpSpPr>
       <p:sp>
         <p:nvSpPr>
-          <p:cNvPr id="34" name="PlaceHolder 1"/>
+          <p:cNvPr id="31" name="PlaceHolder 1"/>
           <p:cNvSpPr>
             <a:spLocks noGrp="1"/>
           </p:cNvSpPr>
@@ -4289,8 +4267,8 @@
         </p:nvSpPr>
         <p:spPr>
           <a:xfrm>
-            <a:off x="838080" y="365040"/>
-            <a:ext cx="10515240" cy="1325160"/>
+            <a:off x="609480" y="273600"/>
+            <a:ext cx="10972440" cy="1144800"/>
           </a:xfrm>
           <a:prstGeom prst="rect">
             <a:avLst/>
@@ -4301,18 +4279,16 @@
             <a:noAutofit/>
           </a:bodyPr>
           <a:p>
-            <a:endParaRPr b="0" lang="en-US" sz="1800" spc="-1" strike="noStrike">
-              <a:solidFill>
-                <a:srgbClr val="000000"/>
-              </a:solidFill>
-              <a:latin typeface="Calibri"/>
+            <a:pPr algn="ctr"/>
+            <a:endParaRPr b="0" lang="en-US" sz="4400" spc="-1" strike="noStrike">
+              <a:latin typeface="Arial"/>
             </a:endParaRPr>
           </a:p>
         </p:txBody>
       </p:sp>
       <p:sp>
         <p:nvSpPr>
-          <p:cNvPr id="35" name="PlaceHolder 2"/>
+          <p:cNvPr id="32" name="PlaceHolder 2"/>
           <p:cNvSpPr>
             <a:spLocks noGrp="1"/>
           </p:cNvSpPr>
@@ -4322,8 +4298,8 @@
         </p:nvSpPr>
         <p:spPr>
           <a:xfrm>
-            <a:off x="838080" y="1825560"/>
-            <a:ext cx="3385800" cy="2075040"/>
+            <a:off x="609480" y="1604520"/>
+            <a:ext cx="3533040" cy="1896840"/>
           </a:xfrm>
           <a:prstGeom prst="rect">
             <a:avLst/>
@@ -4334,18 +4310,15 @@
             <a:normAutofit/>
           </a:bodyPr>
           <a:p>
-            <a:endParaRPr b="0" lang="en-US" sz="2800" spc="-1" strike="noStrike">
-              <a:solidFill>
-                <a:srgbClr val="000000"/>
-              </a:solidFill>
-              <a:latin typeface="Calibri"/>
+            <a:endParaRPr b="0" lang="en-US" sz="3200" spc="-1" strike="noStrike">
+              <a:latin typeface="Arial"/>
             </a:endParaRPr>
           </a:p>
         </p:txBody>
       </p:sp>
       <p:sp>
         <p:nvSpPr>
-          <p:cNvPr id="36" name="PlaceHolder 3"/>
+          <p:cNvPr id="33" name="PlaceHolder 3"/>
           <p:cNvSpPr>
             <a:spLocks noGrp="1"/>
           </p:cNvSpPr>
@@ -4355,8 +4328,8 @@
         </p:nvSpPr>
         <p:spPr>
           <a:xfrm>
-            <a:off x="4393440" y="1825560"/>
-            <a:ext cx="3385800" cy="2075040"/>
+            <a:off x="4319640" y="1604520"/>
+            <a:ext cx="3533040" cy="1896840"/>
           </a:xfrm>
           <a:prstGeom prst="rect">
             <a:avLst/>
@@ -4367,18 +4340,15 @@
             <a:normAutofit/>
           </a:bodyPr>
           <a:p>
-            <a:endParaRPr b="0" lang="en-US" sz="2800" spc="-1" strike="noStrike">
-              <a:solidFill>
-                <a:srgbClr val="000000"/>
-              </a:solidFill>
-              <a:latin typeface="Calibri"/>
+            <a:endParaRPr b="0" lang="en-US" sz="3200" spc="-1" strike="noStrike">
+              <a:latin typeface="Arial"/>
             </a:endParaRPr>
           </a:p>
         </p:txBody>
       </p:sp>
       <p:sp>
         <p:nvSpPr>
-          <p:cNvPr id="37" name="PlaceHolder 4"/>
+          <p:cNvPr id="34" name="PlaceHolder 4"/>
           <p:cNvSpPr>
             <a:spLocks noGrp="1"/>
           </p:cNvSpPr>
@@ -4388,8 +4358,8 @@
         </p:nvSpPr>
         <p:spPr>
           <a:xfrm>
-            <a:off x="7949160" y="1825560"/>
-            <a:ext cx="3385800" cy="2075040"/>
+            <a:off x="8029800" y="1604520"/>
+            <a:ext cx="3533040" cy="1896840"/>
           </a:xfrm>
           <a:prstGeom prst="rect">
             <a:avLst/>
@@ -4400,18 +4370,15 @@
             <a:normAutofit/>
           </a:bodyPr>
           <a:p>
-            <a:endParaRPr b="0" lang="en-US" sz="2800" spc="-1" strike="noStrike">
-              <a:solidFill>
-                <a:srgbClr val="000000"/>
-              </a:solidFill>
-              <a:latin typeface="Calibri"/>
+            <a:endParaRPr b="0" lang="en-US" sz="3200" spc="-1" strike="noStrike">
+              <a:latin typeface="Arial"/>
             </a:endParaRPr>
           </a:p>
         </p:txBody>
       </p:sp>
       <p:sp>
         <p:nvSpPr>
-          <p:cNvPr id="38" name="PlaceHolder 5"/>
+          <p:cNvPr id="35" name="PlaceHolder 5"/>
           <p:cNvSpPr>
             <a:spLocks noGrp="1"/>
           </p:cNvSpPr>
@@ -4421,8 +4388,8 @@
         </p:nvSpPr>
         <p:spPr>
           <a:xfrm>
-            <a:off x="838080" y="4098240"/>
-            <a:ext cx="3385800" cy="2075040"/>
+            <a:off x="609480" y="3682080"/>
+            <a:ext cx="3533040" cy="1896840"/>
           </a:xfrm>
           <a:prstGeom prst="rect">
             <a:avLst/>
@@ -4433,18 +4400,15 @@
             <a:normAutofit/>
           </a:bodyPr>
           <a:p>
-            <a:endParaRPr b="0" lang="en-US" sz="2800" spc="-1" strike="noStrike">
-              <a:solidFill>
-                <a:srgbClr val="000000"/>
-              </a:solidFill>
-              <a:latin typeface="Calibri"/>
+            <a:endParaRPr b="0" lang="en-US" sz="3200" spc="-1" strike="noStrike">
+              <a:latin typeface="Arial"/>
             </a:endParaRPr>
           </a:p>
         </p:txBody>
       </p:sp>
       <p:sp>
         <p:nvSpPr>
-          <p:cNvPr id="39" name="PlaceHolder 6"/>
+          <p:cNvPr id="36" name="PlaceHolder 6"/>
           <p:cNvSpPr>
             <a:spLocks noGrp="1"/>
           </p:cNvSpPr>
@@ -4454,8 +4418,8 @@
         </p:nvSpPr>
         <p:spPr>
           <a:xfrm>
-            <a:off x="4393440" y="4098240"/>
-            <a:ext cx="3385800" cy="2075040"/>
+            <a:off x="4319640" y="3682080"/>
+            <a:ext cx="3533040" cy="1896840"/>
           </a:xfrm>
           <a:prstGeom prst="rect">
             <a:avLst/>
@@ -4466,18 +4430,15 @@
             <a:normAutofit/>
           </a:bodyPr>
           <a:p>
-            <a:endParaRPr b="0" lang="en-US" sz="2800" spc="-1" strike="noStrike">
-              <a:solidFill>
-                <a:srgbClr val="000000"/>
-              </a:solidFill>
-              <a:latin typeface="Calibri"/>
+            <a:endParaRPr b="0" lang="en-US" sz="3200" spc="-1" strike="noStrike">
+              <a:latin typeface="Arial"/>
             </a:endParaRPr>
           </a:p>
         </p:txBody>
       </p:sp>
       <p:sp>
         <p:nvSpPr>
-          <p:cNvPr id="40" name="PlaceHolder 7"/>
+          <p:cNvPr id="37" name="PlaceHolder 7"/>
           <p:cNvSpPr>
             <a:spLocks noGrp="1"/>
           </p:cNvSpPr>
@@ -4487,8 +4448,8 @@
         </p:nvSpPr>
         <p:spPr>
           <a:xfrm>
-            <a:off x="7949160" y="4098240"/>
-            <a:ext cx="3385800" cy="2075040"/>
+            <a:off x="8029800" y="3682080"/>
+            <a:ext cx="3533040" cy="1896840"/>
           </a:xfrm>
           <a:prstGeom prst="rect">
             <a:avLst/>
@@ -4499,11 +4460,8 @@
             <a:normAutofit/>
           </a:bodyPr>
           <a:p>
-            <a:endParaRPr b="0" lang="en-US" sz="2800" spc="-1" strike="noStrike">
-              <a:solidFill>
-                <a:srgbClr val="000000"/>
-              </a:solidFill>
-              <a:latin typeface="Calibri"/>
+            <a:endParaRPr b="0" lang="en-US" sz="3200" spc="-1" strike="noStrike">
+              <a:latin typeface="Arial"/>
             </a:endParaRPr>
           </a:p>
         </p:txBody>
@@ -4554,7 +4512,7 @@
       </p:grpSpPr>
       <p:sp>
         <p:nvSpPr>
-          <p:cNvPr id="46" name="PlaceHolder 1"/>
+          <p:cNvPr id="40" name="PlaceHolder 1"/>
           <p:cNvSpPr>
             <a:spLocks noGrp="1"/>
           </p:cNvSpPr>
@@ -4564,8 +4522,8 @@
         </p:nvSpPr>
         <p:spPr>
           <a:xfrm>
-            <a:off x="838080" y="365040"/>
-            <a:ext cx="10515240" cy="1325160"/>
+            <a:off x="609480" y="273600"/>
+            <a:ext cx="10972440" cy="1144800"/>
           </a:xfrm>
           <a:prstGeom prst="rect">
             <a:avLst/>
@@ -4576,18 +4534,16 @@
             <a:noAutofit/>
           </a:bodyPr>
           <a:p>
-            <a:endParaRPr b="0" lang="en-US" sz="1800" spc="-1" strike="noStrike">
-              <a:solidFill>
-                <a:srgbClr val="000000"/>
-              </a:solidFill>
-              <a:latin typeface="Calibri"/>
+            <a:pPr algn="ctr"/>
+            <a:endParaRPr b="0" lang="en-US" sz="4400" spc="-1" strike="noStrike">
+              <a:latin typeface="Arial"/>
             </a:endParaRPr>
           </a:p>
         </p:txBody>
       </p:sp>
       <p:sp>
         <p:nvSpPr>
-          <p:cNvPr id="47" name="PlaceHolder 2"/>
+          <p:cNvPr id="41" name="PlaceHolder 2"/>
           <p:cNvSpPr>
             <a:spLocks noGrp="1"/>
           </p:cNvSpPr>
@@ -4597,8 +4553,8 @@
         </p:nvSpPr>
         <p:spPr>
           <a:xfrm>
-            <a:off x="838080" y="1825560"/>
-            <a:ext cx="10515240" cy="4350960"/>
+            <a:off x="609480" y="1604520"/>
+            <a:ext cx="10972440" cy="3977280"/>
           </a:xfrm>
           <a:prstGeom prst="rect">
             <a:avLst/>
@@ -4640,7 +4596,7 @@
       </p:grpSpPr>
       <p:sp>
         <p:nvSpPr>
-          <p:cNvPr id="48" name="PlaceHolder 1"/>
+          <p:cNvPr id="42" name="PlaceHolder 1"/>
           <p:cNvSpPr>
             <a:spLocks noGrp="1"/>
           </p:cNvSpPr>
@@ -4650,8 +4606,8 @@
         </p:nvSpPr>
         <p:spPr>
           <a:xfrm>
-            <a:off x="838080" y="365040"/>
-            <a:ext cx="10515240" cy="1325160"/>
+            <a:off x="609480" y="273600"/>
+            <a:ext cx="10972440" cy="1144800"/>
           </a:xfrm>
           <a:prstGeom prst="rect">
             <a:avLst/>
@@ -4662,18 +4618,16 @@
             <a:noAutofit/>
           </a:bodyPr>
           <a:p>
-            <a:endParaRPr b="0" lang="en-US" sz="1800" spc="-1" strike="noStrike">
-              <a:solidFill>
-                <a:srgbClr val="000000"/>
-              </a:solidFill>
-              <a:latin typeface="Calibri"/>
+            <a:pPr algn="ctr"/>
+            <a:endParaRPr b="0" lang="en-US" sz="4400" spc="-1" strike="noStrike">
+              <a:latin typeface="Arial"/>
             </a:endParaRPr>
           </a:p>
         </p:txBody>
       </p:sp>
       <p:sp>
         <p:nvSpPr>
-          <p:cNvPr id="49" name="PlaceHolder 2"/>
+          <p:cNvPr id="43" name="PlaceHolder 2"/>
           <p:cNvSpPr>
             <a:spLocks noGrp="1"/>
           </p:cNvSpPr>
@@ -4683,8 +4637,8 @@
         </p:nvSpPr>
         <p:spPr>
           <a:xfrm>
-            <a:off x="838080" y="1825560"/>
-            <a:ext cx="10515240" cy="4350960"/>
+            <a:off x="609480" y="1604520"/>
+            <a:ext cx="10972440" cy="3977280"/>
           </a:xfrm>
           <a:prstGeom prst="rect">
             <a:avLst/>
@@ -4695,11 +4649,8 @@
             <a:normAutofit/>
           </a:bodyPr>
           <a:p>
-            <a:endParaRPr b="0" lang="en-US" sz="2800" spc="-1" strike="noStrike">
-              <a:solidFill>
-                <a:srgbClr val="000000"/>
-              </a:solidFill>
-              <a:latin typeface="Calibri"/>
+            <a:endParaRPr b="0" lang="en-US" sz="3200" spc="-1" strike="noStrike">
+              <a:latin typeface="Arial"/>
             </a:endParaRPr>
           </a:p>
         </p:txBody>
@@ -4728,7 +4679,7 @@
       </p:grpSpPr>
       <p:sp>
         <p:nvSpPr>
-          <p:cNvPr id="50" name="PlaceHolder 1"/>
+          <p:cNvPr id="44" name="PlaceHolder 1"/>
           <p:cNvSpPr>
             <a:spLocks noGrp="1"/>
           </p:cNvSpPr>
@@ -4738,8 +4689,8 @@
         </p:nvSpPr>
         <p:spPr>
           <a:xfrm>
-            <a:off x="838080" y="365040"/>
-            <a:ext cx="10515240" cy="1325160"/>
+            <a:off x="609480" y="273600"/>
+            <a:ext cx="10972440" cy="1144800"/>
           </a:xfrm>
           <a:prstGeom prst="rect">
             <a:avLst/>
@@ -4750,18 +4701,16 @@
             <a:noAutofit/>
           </a:bodyPr>
           <a:p>
-            <a:endParaRPr b="0" lang="en-US" sz="1800" spc="-1" strike="noStrike">
-              <a:solidFill>
-                <a:srgbClr val="000000"/>
-              </a:solidFill>
-              <a:latin typeface="Calibri"/>
+            <a:pPr algn="ctr"/>
+            <a:endParaRPr b="0" lang="en-US" sz="4400" spc="-1" strike="noStrike">
+              <a:latin typeface="Arial"/>
             </a:endParaRPr>
           </a:p>
         </p:txBody>
       </p:sp>
       <p:sp>
         <p:nvSpPr>
-          <p:cNvPr id="51" name="PlaceHolder 2"/>
+          <p:cNvPr id="45" name="PlaceHolder 2"/>
           <p:cNvSpPr>
             <a:spLocks noGrp="1"/>
           </p:cNvSpPr>
@@ -4771,8 +4720,8 @@
         </p:nvSpPr>
         <p:spPr>
           <a:xfrm>
-            <a:off x="838080" y="1825560"/>
-            <a:ext cx="5131080" cy="4350960"/>
+            <a:off x="609480" y="1604520"/>
+            <a:ext cx="5354280" cy="3977280"/>
           </a:xfrm>
           <a:prstGeom prst="rect">
             <a:avLst/>
@@ -4783,18 +4732,15 @@
             <a:normAutofit/>
           </a:bodyPr>
           <a:p>
-            <a:endParaRPr b="0" lang="en-US" sz="2800" spc="-1" strike="noStrike">
-              <a:solidFill>
-                <a:srgbClr val="000000"/>
-              </a:solidFill>
-              <a:latin typeface="Calibri"/>
+            <a:endParaRPr b="0" lang="en-US" sz="3200" spc="-1" strike="noStrike">
+              <a:latin typeface="Arial"/>
             </a:endParaRPr>
           </a:p>
         </p:txBody>
       </p:sp>
       <p:sp>
         <p:nvSpPr>
-          <p:cNvPr id="52" name="PlaceHolder 3"/>
+          <p:cNvPr id="46" name="PlaceHolder 3"/>
           <p:cNvSpPr>
             <a:spLocks noGrp="1"/>
           </p:cNvSpPr>
@@ -4804,8 +4750,8 @@
         </p:nvSpPr>
         <p:spPr>
           <a:xfrm>
-            <a:off x="6226200" y="1825560"/>
-            <a:ext cx="5131080" cy="4350960"/>
+            <a:off x="6231960" y="1604520"/>
+            <a:ext cx="5354280" cy="3977280"/>
           </a:xfrm>
           <a:prstGeom prst="rect">
             <a:avLst/>
@@ -4816,11 +4762,8 @@
             <a:normAutofit/>
           </a:bodyPr>
           <a:p>
-            <a:endParaRPr b="0" lang="en-US" sz="2800" spc="-1" strike="noStrike">
-              <a:solidFill>
-                <a:srgbClr val="000000"/>
-              </a:solidFill>
-              <a:latin typeface="Calibri"/>
+            <a:endParaRPr b="0" lang="en-US" sz="3200" spc="-1" strike="noStrike">
+              <a:latin typeface="Arial"/>
             </a:endParaRPr>
           </a:p>
         </p:txBody>
@@ -4849,7 +4792,7 @@
       </p:grpSpPr>
       <p:sp>
         <p:nvSpPr>
-          <p:cNvPr id="53" name="PlaceHolder 1"/>
+          <p:cNvPr id="47" name="PlaceHolder 1"/>
           <p:cNvSpPr>
             <a:spLocks noGrp="1"/>
           </p:cNvSpPr>
@@ -4859,8 +4802,8 @@
         </p:nvSpPr>
         <p:spPr>
           <a:xfrm>
-            <a:off x="838080" y="365040"/>
-            <a:ext cx="10515240" cy="1325160"/>
+            <a:off x="609480" y="273600"/>
+            <a:ext cx="10972440" cy="1144800"/>
           </a:xfrm>
           <a:prstGeom prst="rect">
             <a:avLst/>
@@ -4871,11 +4814,9 @@
             <a:noAutofit/>
           </a:bodyPr>
           <a:p>
-            <a:endParaRPr b="0" lang="en-US" sz="1800" spc="-1" strike="noStrike">
-              <a:solidFill>
-                <a:srgbClr val="000000"/>
-              </a:solidFill>
-              <a:latin typeface="Calibri"/>
+            <a:pPr algn="ctr"/>
+            <a:endParaRPr b="0" lang="en-US" sz="4400" spc="-1" strike="noStrike">
+              <a:latin typeface="Arial"/>
             </a:endParaRPr>
           </a:p>
         </p:txBody>
@@ -4904,7 +4845,7 @@
       </p:grpSpPr>
       <p:sp>
         <p:nvSpPr>
-          <p:cNvPr id="54" name="PlaceHolder 1"/>
+          <p:cNvPr id="48" name="PlaceHolder 1"/>
           <p:cNvSpPr>
             <a:spLocks noGrp="1"/>
           </p:cNvSpPr>
@@ -4914,8 +4855,8 @@
         </p:nvSpPr>
         <p:spPr>
           <a:xfrm>
-            <a:off x="838080" y="365040"/>
-            <a:ext cx="10515240" cy="6144120"/>
+            <a:off x="609480" y="273600"/>
+            <a:ext cx="10972440" cy="5307840"/>
           </a:xfrm>
           <a:prstGeom prst="rect">
             <a:avLst/>
@@ -4957,7 +4898,7 @@
       </p:grpSpPr>
       <p:sp>
         <p:nvSpPr>
-          <p:cNvPr id="55" name="PlaceHolder 1"/>
+          <p:cNvPr id="49" name="PlaceHolder 1"/>
           <p:cNvSpPr>
             <a:spLocks noGrp="1"/>
           </p:cNvSpPr>
@@ -4967,8 +4908,8 @@
         </p:nvSpPr>
         <p:spPr>
           <a:xfrm>
-            <a:off x="838080" y="365040"/>
-            <a:ext cx="10515240" cy="1325160"/>
+            <a:off x="609480" y="273600"/>
+            <a:ext cx="10972440" cy="1144800"/>
           </a:xfrm>
           <a:prstGeom prst="rect">
             <a:avLst/>
@@ -4979,18 +4920,16 @@
             <a:noAutofit/>
           </a:bodyPr>
           <a:p>
-            <a:endParaRPr b="0" lang="en-US" sz="1800" spc="-1" strike="noStrike">
-              <a:solidFill>
-                <a:srgbClr val="000000"/>
-              </a:solidFill>
-              <a:latin typeface="Calibri"/>
+            <a:pPr algn="ctr"/>
+            <a:endParaRPr b="0" lang="en-US" sz="4400" spc="-1" strike="noStrike">
+              <a:latin typeface="Arial"/>
             </a:endParaRPr>
           </a:p>
         </p:txBody>
       </p:sp>
       <p:sp>
         <p:nvSpPr>
-          <p:cNvPr id="56" name="PlaceHolder 2"/>
+          <p:cNvPr id="50" name="PlaceHolder 2"/>
           <p:cNvSpPr>
             <a:spLocks noGrp="1"/>
           </p:cNvSpPr>
@@ -5000,8 +4939,8 @@
         </p:nvSpPr>
         <p:spPr>
           <a:xfrm>
-            <a:off x="838080" y="1825560"/>
-            <a:ext cx="5131080" cy="2075040"/>
+            <a:off x="609480" y="1604520"/>
+            <a:ext cx="5354280" cy="1896840"/>
           </a:xfrm>
           <a:prstGeom prst="rect">
             <a:avLst/>
@@ -5012,18 +4951,15 @@
             <a:normAutofit/>
           </a:bodyPr>
           <a:p>
-            <a:endParaRPr b="0" lang="en-US" sz="2800" spc="-1" strike="noStrike">
-              <a:solidFill>
-                <a:srgbClr val="000000"/>
-              </a:solidFill>
-              <a:latin typeface="Calibri"/>
+            <a:endParaRPr b="0" lang="en-US" sz="3200" spc="-1" strike="noStrike">
+              <a:latin typeface="Arial"/>
             </a:endParaRPr>
           </a:p>
         </p:txBody>
       </p:sp>
       <p:sp>
         <p:nvSpPr>
-          <p:cNvPr id="57" name="PlaceHolder 3"/>
+          <p:cNvPr id="51" name="PlaceHolder 3"/>
           <p:cNvSpPr>
             <a:spLocks noGrp="1"/>
           </p:cNvSpPr>
@@ -5033,8 +4969,8 @@
         </p:nvSpPr>
         <p:spPr>
           <a:xfrm>
-            <a:off x="6226200" y="1825560"/>
-            <a:ext cx="5131080" cy="4350960"/>
+            <a:off x="6231960" y="1604520"/>
+            <a:ext cx="5354280" cy="3977280"/>
           </a:xfrm>
           <a:prstGeom prst="rect">
             <a:avLst/>
@@ -5045,18 +4981,15 @@
             <a:normAutofit/>
           </a:bodyPr>
           <a:p>
-            <a:endParaRPr b="0" lang="en-US" sz="2800" spc="-1" strike="noStrike">
-              <a:solidFill>
-                <a:srgbClr val="000000"/>
-              </a:solidFill>
-              <a:latin typeface="Calibri"/>
+            <a:endParaRPr b="0" lang="en-US" sz="3200" spc="-1" strike="noStrike">
+              <a:latin typeface="Arial"/>
             </a:endParaRPr>
           </a:p>
         </p:txBody>
       </p:sp>
       <p:sp>
         <p:nvSpPr>
-          <p:cNvPr id="58" name="PlaceHolder 4"/>
+          <p:cNvPr id="52" name="PlaceHolder 4"/>
           <p:cNvSpPr>
             <a:spLocks noGrp="1"/>
           </p:cNvSpPr>
@@ -5066,8 +4999,8 @@
         </p:nvSpPr>
         <p:spPr>
           <a:xfrm>
-            <a:off x="838080" y="4098240"/>
-            <a:ext cx="5131080" cy="2075040"/>
+            <a:off x="609480" y="3682080"/>
+            <a:ext cx="5354280" cy="1896840"/>
           </a:xfrm>
           <a:prstGeom prst="rect">
             <a:avLst/>
@@ -5078,11 +5011,8 @@
             <a:normAutofit/>
           </a:bodyPr>
           <a:p>
-            <a:endParaRPr b="0" lang="en-US" sz="2800" spc="-1" strike="noStrike">
-              <a:solidFill>
-                <a:srgbClr val="000000"/>
-              </a:solidFill>
-              <a:latin typeface="Calibri"/>
+            <a:endParaRPr b="0" lang="en-US" sz="3200" spc="-1" strike="noStrike">
+              <a:latin typeface="Arial"/>
             </a:endParaRPr>
           </a:p>
         </p:txBody>
@@ -5111,7 +5041,7 @@
       </p:grpSpPr>
       <p:sp>
         <p:nvSpPr>
-          <p:cNvPr id="5" name="PlaceHolder 1"/>
+          <p:cNvPr id="2" name="PlaceHolder 1"/>
           <p:cNvSpPr>
             <a:spLocks noGrp="1"/>
           </p:cNvSpPr>
@@ -5121,8 +5051,8 @@
         </p:nvSpPr>
         <p:spPr>
           <a:xfrm>
-            <a:off x="838080" y="365040"/>
-            <a:ext cx="10515240" cy="1325160"/>
+            <a:off x="609480" y="273600"/>
+            <a:ext cx="10972440" cy="1144800"/>
           </a:xfrm>
           <a:prstGeom prst="rect">
             <a:avLst/>
@@ -5133,18 +5063,16 @@
             <a:noAutofit/>
           </a:bodyPr>
           <a:p>
-            <a:endParaRPr b="0" lang="en-US" sz="1800" spc="-1" strike="noStrike">
-              <a:solidFill>
-                <a:srgbClr val="000000"/>
-              </a:solidFill>
-              <a:latin typeface="Calibri"/>
+            <a:pPr algn="ctr"/>
+            <a:endParaRPr b="0" lang="en-US" sz="4400" spc="-1" strike="noStrike">
+              <a:latin typeface="Arial"/>
             </a:endParaRPr>
           </a:p>
         </p:txBody>
       </p:sp>
       <p:sp>
         <p:nvSpPr>
-          <p:cNvPr id="6" name="PlaceHolder 2"/>
+          <p:cNvPr id="3" name="PlaceHolder 2"/>
           <p:cNvSpPr>
             <a:spLocks noGrp="1"/>
           </p:cNvSpPr>
@@ -5154,8 +5082,8 @@
         </p:nvSpPr>
         <p:spPr>
           <a:xfrm>
-            <a:off x="838080" y="1825560"/>
-            <a:ext cx="10515240" cy="4350960"/>
+            <a:off x="609480" y="1604520"/>
+            <a:ext cx="10972440" cy="3977280"/>
           </a:xfrm>
           <a:prstGeom prst="rect">
             <a:avLst/>
@@ -5197,7 +5125,7 @@
       </p:grpSpPr>
       <p:sp>
         <p:nvSpPr>
-          <p:cNvPr id="59" name="PlaceHolder 1"/>
+          <p:cNvPr id="53" name="PlaceHolder 1"/>
           <p:cNvSpPr>
             <a:spLocks noGrp="1"/>
           </p:cNvSpPr>
@@ -5207,8 +5135,8 @@
         </p:nvSpPr>
         <p:spPr>
           <a:xfrm>
-            <a:off x="838080" y="365040"/>
-            <a:ext cx="10515240" cy="1325160"/>
+            <a:off x="609480" y="273600"/>
+            <a:ext cx="10972440" cy="1144800"/>
           </a:xfrm>
           <a:prstGeom prst="rect">
             <a:avLst/>
@@ -5219,18 +5147,16 @@
             <a:noAutofit/>
           </a:bodyPr>
           <a:p>
-            <a:endParaRPr b="0" lang="en-US" sz="1800" spc="-1" strike="noStrike">
-              <a:solidFill>
-                <a:srgbClr val="000000"/>
-              </a:solidFill>
-              <a:latin typeface="Calibri"/>
+            <a:pPr algn="ctr"/>
+            <a:endParaRPr b="0" lang="en-US" sz="4400" spc="-1" strike="noStrike">
+              <a:latin typeface="Arial"/>
             </a:endParaRPr>
           </a:p>
         </p:txBody>
       </p:sp>
       <p:sp>
         <p:nvSpPr>
-          <p:cNvPr id="60" name="PlaceHolder 2"/>
+          <p:cNvPr id="54" name="PlaceHolder 2"/>
           <p:cNvSpPr>
             <a:spLocks noGrp="1"/>
           </p:cNvSpPr>
@@ -5240,8 +5166,8 @@
         </p:nvSpPr>
         <p:spPr>
           <a:xfrm>
-            <a:off x="838080" y="1825560"/>
-            <a:ext cx="5131080" cy="4350960"/>
+            <a:off x="609480" y="1604520"/>
+            <a:ext cx="5354280" cy="3977280"/>
           </a:xfrm>
           <a:prstGeom prst="rect">
             <a:avLst/>
@@ -5252,18 +5178,15 @@
             <a:normAutofit/>
           </a:bodyPr>
           <a:p>
-            <a:endParaRPr b="0" lang="en-US" sz="2800" spc="-1" strike="noStrike">
-              <a:solidFill>
-                <a:srgbClr val="000000"/>
-              </a:solidFill>
-              <a:latin typeface="Calibri"/>
+            <a:endParaRPr b="0" lang="en-US" sz="3200" spc="-1" strike="noStrike">
+              <a:latin typeface="Arial"/>
             </a:endParaRPr>
           </a:p>
         </p:txBody>
       </p:sp>
       <p:sp>
         <p:nvSpPr>
-          <p:cNvPr id="61" name="PlaceHolder 3"/>
+          <p:cNvPr id="55" name="PlaceHolder 3"/>
           <p:cNvSpPr>
             <a:spLocks noGrp="1"/>
           </p:cNvSpPr>
@@ -5273,8 +5196,8 @@
         </p:nvSpPr>
         <p:spPr>
           <a:xfrm>
-            <a:off x="6226200" y="1825560"/>
-            <a:ext cx="5131080" cy="2075040"/>
+            <a:off x="6231960" y="1604520"/>
+            <a:ext cx="5354280" cy="1896840"/>
           </a:xfrm>
           <a:prstGeom prst="rect">
             <a:avLst/>
@@ -5285,18 +5208,15 @@
             <a:normAutofit/>
           </a:bodyPr>
           <a:p>
-            <a:endParaRPr b="0" lang="en-US" sz="2800" spc="-1" strike="noStrike">
-              <a:solidFill>
-                <a:srgbClr val="000000"/>
-              </a:solidFill>
-              <a:latin typeface="Calibri"/>
+            <a:endParaRPr b="0" lang="en-US" sz="3200" spc="-1" strike="noStrike">
+              <a:latin typeface="Arial"/>
             </a:endParaRPr>
           </a:p>
         </p:txBody>
       </p:sp>
       <p:sp>
         <p:nvSpPr>
-          <p:cNvPr id="62" name="PlaceHolder 4"/>
+          <p:cNvPr id="56" name="PlaceHolder 4"/>
           <p:cNvSpPr>
             <a:spLocks noGrp="1"/>
           </p:cNvSpPr>
@@ -5306,8 +5226,8 @@
         </p:nvSpPr>
         <p:spPr>
           <a:xfrm>
-            <a:off x="6226200" y="4098240"/>
-            <a:ext cx="5131080" cy="2075040"/>
+            <a:off x="6231960" y="3682080"/>
+            <a:ext cx="5354280" cy="1896840"/>
           </a:xfrm>
           <a:prstGeom prst="rect">
             <a:avLst/>
@@ -5318,11 +5238,8 @@
             <a:normAutofit/>
           </a:bodyPr>
           <a:p>
-            <a:endParaRPr b="0" lang="en-US" sz="2800" spc="-1" strike="noStrike">
-              <a:solidFill>
-                <a:srgbClr val="000000"/>
-              </a:solidFill>
-              <a:latin typeface="Calibri"/>
+            <a:endParaRPr b="0" lang="en-US" sz="3200" spc="-1" strike="noStrike">
+              <a:latin typeface="Arial"/>
             </a:endParaRPr>
           </a:p>
         </p:txBody>
@@ -5351,7 +5268,7 @@
       </p:grpSpPr>
       <p:sp>
         <p:nvSpPr>
-          <p:cNvPr id="63" name="PlaceHolder 1"/>
+          <p:cNvPr id="57" name="PlaceHolder 1"/>
           <p:cNvSpPr>
             <a:spLocks noGrp="1"/>
           </p:cNvSpPr>
@@ -5361,8 +5278,8 @@
         </p:nvSpPr>
         <p:spPr>
           <a:xfrm>
-            <a:off x="838080" y="365040"/>
-            <a:ext cx="10515240" cy="1325160"/>
+            <a:off x="609480" y="273600"/>
+            <a:ext cx="10972440" cy="1144800"/>
           </a:xfrm>
           <a:prstGeom prst="rect">
             <a:avLst/>
@@ -5373,18 +5290,16 @@
             <a:noAutofit/>
           </a:bodyPr>
           <a:p>
-            <a:endParaRPr b="0" lang="en-US" sz="1800" spc="-1" strike="noStrike">
-              <a:solidFill>
-                <a:srgbClr val="000000"/>
-              </a:solidFill>
-              <a:latin typeface="Calibri"/>
+            <a:pPr algn="ctr"/>
+            <a:endParaRPr b="0" lang="en-US" sz="4400" spc="-1" strike="noStrike">
+              <a:latin typeface="Arial"/>
             </a:endParaRPr>
           </a:p>
         </p:txBody>
       </p:sp>
       <p:sp>
         <p:nvSpPr>
-          <p:cNvPr id="64" name="PlaceHolder 2"/>
+          <p:cNvPr id="58" name="PlaceHolder 2"/>
           <p:cNvSpPr>
             <a:spLocks noGrp="1"/>
           </p:cNvSpPr>
@@ -5394,8 +5309,8 @@
         </p:nvSpPr>
         <p:spPr>
           <a:xfrm>
-            <a:off x="838080" y="1825560"/>
-            <a:ext cx="5131080" cy="2075040"/>
+            <a:off x="609480" y="1604520"/>
+            <a:ext cx="5354280" cy="1896840"/>
           </a:xfrm>
           <a:prstGeom prst="rect">
             <a:avLst/>
@@ -5406,18 +5321,15 @@
             <a:normAutofit/>
           </a:bodyPr>
           <a:p>
-            <a:endParaRPr b="0" lang="en-US" sz="2800" spc="-1" strike="noStrike">
-              <a:solidFill>
-                <a:srgbClr val="000000"/>
-              </a:solidFill>
-              <a:latin typeface="Calibri"/>
+            <a:endParaRPr b="0" lang="en-US" sz="3200" spc="-1" strike="noStrike">
+              <a:latin typeface="Arial"/>
             </a:endParaRPr>
           </a:p>
         </p:txBody>
       </p:sp>
       <p:sp>
         <p:nvSpPr>
-          <p:cNvPr id="65" name="PlaceHolder 3"/>
+          <p:cNvPr id="59" name="PlaceHolder 3"/>
           <p:cNvSpPr>
             <a:spLocks noGrp="1"/>
           </p:cNvSpPr>
@@ -5427,8 +5339,8 @@
         </p:nvSpPr>
         <p:spPr>
           <a:xfrm>
-            <a:off x="6226200" y="1825560"/>
-            <a:ext cx="5131080" cy="2075040"/>
+            <a:off x="6231960" y="1604520"/>
+            <a:ext cx="5354280" cy="1896840"/>
           </a:xfrm>
           <a:prstGeom prst="rect">
             <a:avLst/>
@@ -5439,18 +5351,15 @@
             <a:normAutofit/>
           </a:bodyPr>
           <a:p>
-            <a:endParaRPr b="0" lang="en-US" sz="2800" spc="-1" strike="noStrike">
-              <a:solidFill>
-                <a:srgbClr val="000000"/>
-              </a:solidFill>
-              <a:latin typeface="Calibri"/>
+            <a:endParaRPr b="0" lang="en-US" sz="3200" spc="-1" strike="noStrike">
+              <a:latin typeface="Arial"/>
             </a:endParaRPr>
           </a:p>
         </p:txBody>
       </p:sp>
       <p:sp>
         <p:nvSpPr>
-          <p:cNvPr id="66" name="PlaceHolder 4"/>
+          <p:cNvPr id="60" name="PlaceHolder 4"/>
           <p:cNvSpPr>
             <a:spLocks noGrp="1"/>
           </p:cNvSpPr>
@@ -5460,8 +5369,8 @@
         </p:nvSpPr>
         <p:spPr>
           <a:xfrm>
-            <a:off x="838080" y="4098240"/>
-            <a:ext cx="10515240" cy="2075040"/>
+            <a:off x="609480" y="3682080"/>
+            <a:ext cx="10972440" cy="1896840"/>
           </a:xfrm>
           <a:prstGeom prst="rect">
             <a:avLst/>
@@ -5472,11 +5381,8 @@
             <a:normAutofit/>
           </a:bodyPr>
           <a:p>
-            <a:endParaRPr b="0" lang="en-US" sz="2800" spc="-1" strike="noStrike">
-              <a:solidFill>
-                <a:srgbClr val="000000"/>
-              </a:solidFill>
-              <a:latin typeface="Calibri"/>
+            <a:endParaRPr b="0" lang="en-US" sz="3200" spc="-1" strike="noStrike">
+              <a:latin typeface="Arial"/>
             </a:endParaRPr>
           </a:p>
         </p:txBody>
@@ -5505,7 +5411,7 @@
       </p:grpSpPr>
       <p:sp>
         <p:nvSpPr>
-          <p:cNvPr id="67" name="PlaceHolder 1"/>
+          <p:cNvPr id="61" name="PlaceHolder 1"/>
           <p:cNvSpPr>
             <a:spLocks noGrp="1"/>
           </p:cNvSpPr>
@@ -5515,8 +5421,8 @@
         </p:nvSpPr>
         <p:spPr>
           <a:xfrm>
-            <a:off x="838080" y="365040"/>
-            <a:ext cx="10515240" cy="1325160"/>
+            <a:off x="609480" y="273600"/>
+            <a:ext cx="10972440" cy="1144800"/>
           </a:xfrm>
           <a:prstGeom prst="rect">
             <a:avLst/>
@@ -5527,18 +5433,16 @@
             <a:noAutofit/>
           </a:bodyPr>
           <a:p>
-            <a:endParaRPr b="0" lang="en-US" sz="1800" spc="-1" strike="noStrike">
-              <a:solidFill>
-                <a:srgbClr val="000000"/>
-              </a:solidFill>
-              <a:latin typeface="Calibri"/>
+            <a:pPr algn="ctr"/>
+            <a:endParaRPr b="0" lang="en-US" sz="4400" spc="-1" strike="noStrike">
+              <a:latin typeface="Arial"/>
             </a:endParaRPr>
           </a:p>
         </p:txBody>
       </p:sp>
       <p:sp>
         <p:nvSpPr>
-          <p:cNvPr id="68" name="PlaceHolder 2"/>
+          <p:cNvPr id="62" name="PlaceHolder 2"/>
           <p:cNvSpPr>
             <a:spLocks noGrp="1"/>
           </p:cNvSpPr>
@@ -5548,8 +5452,8 @@
         </p:nvSpPr>
         <p:spPr>
           <a:xfrm>
-            <a:off x="838080" y="1825560"/>
-            <a:ext cx="10515240" cy="2075040"/>
+            <a:off x="609480" y="1604520"/>
+            <a:ext cx="10972440" cy="1896840"/>
           </a:xfrm>
           <a:prstGeom prst="rect">
             <a:avLst/>
@@ -5560,18 +5464,15 @@
             <a:normAutofit/>
           </a:bodyPr>
           <a:p>
-            <a:endParaRPr b="0" lang="en-US" sz="2800" spc="-1" strike="noStrike">
-              <a:solidFill>
-                <a:srgbClr val="000000"/>
-              </a:solidFill>
-              <a:latin typeface="Calibri"/>
+            <a:endParaRPr b="0" lang="en-US" sz="3200" spc="-1" strike="noStrike">
+              <a:latin typeface="Arial"/>
             </a:endParaRPr>
           </a:p>
         </p:txBody>
       </p:sp>
       <p:sp>
         <p:nvSpPr>
-          <p:cNvPr id="69" name="PlaceHolder 3"/>
+          <p:cNvPr id="63" name="PlaceHolder 3"/>
           <p:cNvSpPr>
             <a:spLocks noGrp="1"/>
           </p:cNvSpPr>
@@ -5581,8 +5482,8 @@
         </p:nvSpPr>
         <p:spPr>
           <a:xfrm>
-            <a:off x="838080" y="4098240"/>
-            <a:ext cx="10515240" cy="2075040"/>
+            <a:off x="609480" y="3682080"/>
+            <a:ext cx="10972440" cy="1896840"/>
           </a:xfrm>
           <a:prstGeom prst="rect">
             <a:avLst/>
@@ -5593,11 +5494,8 @@
             <a:normAutofit/>
           </a:bodyPr>
           <a:p>
-            <a:endParaRPr b="0" lang="en-US" sz="2800" spc="-1" strike="noStrike">
-              <a:solidFill>
-                <a:srgbClr val="000000"/>
-              </a:solidFill>
-              <a:latin typeface="Calibri"/>
+            <a:endParaRPr b="0" lang="en-US" sz="3200" spc="-1" strike="noStrike">
+              <a:latin typeface="Arial"/>
             </a:endParaRPr>
           </a:p>
         </p:txBody>
@@ -5626,7 +5524,7 @@
       </p:grpSpPr>
       <p:sp>
         <p:nvSpPr>
-          <p:cNvPr id="70" name="PlaceHolder 1"/>
+          <p:cNvPr id="64" name="PlaceHolder 1"/>
           <p:cNvSpPr>
             <a:spLocks noGrp="1"/>
           </p:cNvSpPr>
@@ -5636,8 +5534,8 @@
         </p:nvSpPr>
         <p:spPr>
           <a:xfrm>
-            <a:off x="838080" y="365040"/>
-            <a:ext cx="10515240" cy="1325160"/>
+            <a:off x="609480" y="273600"/>
+            <a:ext cx="10972440" cy="1144800"/>
           </a:xfrm>
           <a:prstGeom prst="rect">
             <a:avLst/>
@@ -5648,18 +5546,16 @@
             <a:noAutofit/>
           </a:bodyPr>
           <a:p>
-            <a:endParaRPr b="0" lang="en-US" sz="1800" spc="-1" strike="noStrike">
-              <a:solidFill>
-                <a:srgbClr val="000000"/>
-              </a:solidFill>
-              <a:latin typeface="Calibri"/>
+            <a:pPr algn="ctr"/>
+            <a:endParaRPr b="0" lang="en-US" sz="4400" spc="-1" strike="noStrike">
+              <a:latin typeface="Arial"/>
             </a:endParaRPr>
           </a:p>
         </p:txBody>
       </p:sp>
       <p:sp>
         <p:nvSpPr>
-          <p:cNvPr id="71" name="PlaceHolder 2"/>
+          <p:cNvPr id="65" name="PlaceHolder 2"/>
           <p:cNvSpPr>
             <a:spLocks noGrp="1"/>
           </p:cNvSpPr>
@@ -5669,8 +5565,8 @@
         </p:nvSpPr>
         <p:spPr>
           <a:xfrm>
-            <a:off x="838080" y="1825560"/>
-            <a:ext cx="5131080" cy="2075040"/>
+            <a:off x="609480" y="1604520"/>
+            <a:ext cx="5354280" cy="1896840"/>
           </a:xfrm>
           <a:prstGeom prst="rect">
             <a:avLst/>
@@ -5681,18 +5577,15 @@
             <a:normAutofit/>
           </a:bodyPr>
           <a:p>
-            <a:endParaRPr b="0" lang="en-US" sz="2800" spc="-1" strike="noStrike">
-              <a:solidFill>
-                <a:srgbClr val="000000"/>
-              </a:solidFill>
-              <a:latin typeface="Calibri"/>
+            <a:endParaRPr b="0" lang="en-US" sz="3200" spc="-1" strike="noStrike">
+              <a:latin typeface="Arial"/>
             </a:endParaRPr>
           </a:p>
         </p:txBody>
       </p:sp>
       <p:sp>
         <p:nvSpPr>
-          <p:cNvPr id="72" name="PlaceHolder 3"/>
+          <p:cNvPr id="66" name="PlaceHolder 3"/>
           <p:cNvSpPr>
             <a:spLocks noGrp="1"/>
           </p:cNvSpPr>
@@ -5702,8 +5595,8 @@
         </p:nvSpPr>
         <p:spPr>
           <a:xfrm>
-            <a:off x="6226200" y="1825560"/>
-            <a:ext cx="5131080" cy="2075040"/>
+            <a:off x="6231960" y="1604520"/>
+            <a:ext cx="5354280" cy="1896840"/>
           </a:xfrm>
           <a:prstGeom prst="rect">
             <a:avLst/>
@@ -5714,18 +5607,15 @@
             <a:normAutofit/>
           </a:bodyPr>
           <a:p>
-            <a:endParaRPr b="0" lang="en-US" sz="2800" spc="-1" strike="noStrike">
-              <a:solidFill>
-                <a:srgbClr val="000000"/>
-              </a:solidFill>
-              <a:latin typeface="Calibri"/>
+            <a:endParaRPr b="0" lang="en-US" sz="3200" spc="-1" strike="noStrike">
+              <a:latin typeface="Arial"/>
             </a:endParaRPr>
           </a:p>
         </p:txBody>
       </p:sp>
       <p:sp>
         <p:nvSpPr>
-          <p:cNvPr id="73" name="PlaceHolder 4"/>
+          <p:cNvPr id="67" name="PlaceHolder 4"/>
           <p:cNvSpPr>
             <a:spLocks noGrp="1"/>
           </p:cNvSpPr>
@@ -5735,8 +5625,8 @@
         </p:nvSpPr>
         <p:spPr>
           <a:xfrm>
-            <a:off x="838080" y="4098240"/>
-            <a:ext cx="5131080" cy="2075040"/>
+            <a:off x="609480" y="3682080"/>
+            <a:ext cx="5354280" cy="1896840"/>
           </a:xfrm>
           <a:prstGeom prst="rect">
             <a:avLst/>
@@ -5747,18 +5637,15 @@
             <a:normAutofit/>
           </a:bodyPr>
           <a:p>
-            <a:endParaRPr b="0" lang="en-US" sz="2800" spc="-1" strike="noStrike">
-              <a:solidFill>
-                <a:srgbClr val="000000"/>
-              </a:solidFill>
-              <a:latin typeface="Calibri"/>
+            <a:endParaRPr b="0" lang="en-US" sz="3200" spc="-1" strike="noStrike">
+              <a:latin typeface="Arial"/>
             </a:endParaRPr>
           </a:p>
         </p:txBody>
       </p:sp>
       <p:sp>
         <p:nvSpPr>
-          <p:cNvPr id="74" name="PlaceHolder 5"/>
+          <p:cNvPr id="68" name="PlaceHolder 5"/>
           <p:cNvSpPr>
             <a:spLocks noGrp="1"/>
           </p:cNvSpPr>
@@ -5768,8 +5655,8 @@
         </p:nvSpPr>
         <p:spPr>
           <a:xfrm>
-            <a:off x="6226200" y="4098240"/>
-            <a:ext cx="5131080" cy="2075040"/>
+            <a:off x="6231960" y="3682080"/>
+            <a:ext cx="5354280" cy="1896840"/>
           </a:xfrm>
           <a:prstGeom prst="rect">
             <a:avLst/>
@@ -5780,11 +5667,8 @@
             <a:normAutofit/>
           </a:bodyPr>
           <a:p>
-            <a:endParaRPr b="0" lang="en-US" sz="2800" spc="-1" strike="noStrike">
-              <a:solidFill>
-                <a:srgbClr val="000000"/>
-              </a:solidFill>
-              <a:latin typeface="Calibri"/>
+            <a:endParaRPr b="0" lang="en-US" sz="3200" spc="-1" strike="noStrike">
+              <a:latin typeface="Arial"/>
             </a:endParaRPr>
           </a:p>
         </p:txBody>
@@ -5813,7 +5697,7 @@
       </p:grpSpPr>
       <p:sp>
         <p:nvSpPr>
-          <p:cNvPr id="75" name="PlaceHolder 1"/>
+          <p:cNvPr id="69" name="PlaceHolder 1"/>
           <p:cNvSpPr>
             <a:spLocks noGrp="1"/>
           </p:cNvSpPr>
@@ -5823,8 +5707,8 @@
         </p:nvSpPr>
         <p:spPr>
           <a:xfrm>
-            <a:off x="838080" y="365040"/>
-            <a:ext cx="10515240" cy="1325160"/>
+            <a:off x="609480" y="273600"/>
+            <a:ext cx="10972440" cy="1144800"/>
           </a:xfrm>
           <a:prstGeom prst="rect">
             <a:avLst/>
@@ -5835,18 +5719,16 @@
             <a:noAutofit/>
           </a:bodyPr>
           <a:p>
-            <a:endParaRPr b="0" lang="en-US" sz="1800" spc="-1" strike="noStrike">
-              <a:solidFill>
-                <a:srgbClr val="000000"/>
-              </a:solidFill>
-              <a:latin typeface="Calibri"/>
+            <a:pPr algn="ctr"/>
+            <a:endParaRPr b="0" lang="en-US" sz="4400" spc="-1" strike="noStrike">
+              <a:latin typeface="Arial"/>
             </a:endParaRPr>
           </a:p>
         </p:txBody>
       </p:sp>
       <p:sp>
         <p:nvSpPr>
-          <p:cNvPr id="76" name="PlaceHolder 2"/>
+          <p:cNvPr id="70" name="PlaceHolder 2"/>
           <p:cNvSpPr>
             <a:spLocks noGrp="1"/>
           </p:cNvSpPr>
@@ -5856,8 +5738,8 @@
         </p:nvSpPr>
         <p:spPr>
           <a:xfrm>
-            <a:off x="838080" y="1825560"/>
-            <a:ext cx="3385800" cy="2075040"/>
+            <a:off x="609480" y="1604520"/>
+            <a:ext cx="3533040" cy="1896840"/>
           </a:xfrm>
           <a:prstGeom prst="rect">
             <a:avLst/>
@@ -5868,18 +5750,15 @@
             <a:normAutofit/>
           </a:bodyPr>
           <a:p>
-            <a:endParaRPr b="0" lang="en-US" sz="2800" spc="-1" strike="noStrike">
-              <a:solidFill>
-                <a:srgbClr val="000000"/>
-              </a:solidFill>
-              <a:latin typeface="Calibri"/>
+            <a:endParaRPr b="0" lang="en-US" sz="3200" spc="-1" strike="noStrike">
+              <a:latin typeface="Arial"/>
             </a:endParaRPr>
           </a:p>
         </p:txBody>
       </p:sp>
       <p:sp>
         <p:nvSpPr>
-          <p:cNvPr id="77" name="PlaceHolder 3"/>
+          <p:cNvPr id="71" name="PlaceHolder 3"/>
           <p:cNvSpPr>
             <a:spLocks noGrp="1"/>
           </p:cNvSpPr>
@@ -5889,8 +5768,8 @@
         </p:nvSpPr>
         <p:spPr>
           <a:xfrm>
-            <a:off x="4393440" y="1825560"/>
-            <a:ext cx="3385800" cy="2075040"/>
+            <a:off x="4319640" y="1604520"/>
+            <a:ext cx="3533040" cy="1896840"/>
           </a:xfrm>
           <a:prstGeom prst="rect">
             <a:avLst/>
@@ -5901,18 +5780,15 @@
             <a:normAutofit/>
           </a:bodyPr>
           <a:p>
-            <a:endParaRPr b="0" lang="en-US" sz="2800" spc="-1" strike="noStrike">
-              <a:solidFill>
-                <a:srgbClr val="000000"/>
-              </a:solidFill>
-              <a:latin typeface="Calibri"/>
+            <a:endParaRPr b="0" lang="en-US" sz="3200" spc="-1" strike="noStrike">
+              <a:latin typeface="Arial"/>
             </a:endParaRPr>
           </a:p>
         </p:txBody>
       </p:sp>
       <p:sp>
         <p:nvSpPr>
-          <p:cNvPr id="78" name="PlaceHolder 4"/>
+          <p:cNvPr id="72" name="PlaceHolder 4"/>
           <p:cNvSpPr>
             <a:spLocks noGrp="1"/>
           </p:cNvSpPr>
@@ -5922,8 +5798,8 @@
         </p:nvSpPr>
         <p:spPr>
           <a:xfrm>
-            <a:off x="7949160" y="1825560"/>
-            <a:ext cx="3385800" cy="2075040"/>
+            <a:off x="8029800" y="1604520"/>
+            <a:ext cx="3533040" cy="1896840"/>
           </a:xfrm>
           <a:prstGeom prst="rect">
             <a:avLst/>
@@ -5934,18 +5810,15 @@
             <a:normAutofit/>
           </a:bodyPr>
           <a:p>
-            <a:endParaRPr b="0" lang="en-US" sz="2800" spc="-1" strike="noStrike">
-              <a:solidFill>
-                <a:srgbClr val="000000"/>
-              </a:solidFill>
-              <a:latin typeface="Calibri"/>
+            <a:endParaRPr b="0" lang="en-US" sz="3200" spc="-1" strike="noStrike">
+              <a:latin typeface="Arial"/>
             </a:endParaRPr>
           </a:p>
         </p:txBody>
       </p:sp>
       <p:sp>
         <p:nvSpPr>
-          <p:cNvPr id="79" name="PlaceHolder 5"/>
+          <p:cNvPr id="73" name="PlaceHolder 5"/>
           <p:cNvSpPr>
             <a:spLocks noGrp="1"/>
           </p:cNvSpPr>
@@ -5955,8 +5828,8 @@
         </p:nvSpPr>
         <p:spPr>
           <a:xfrm>
-            <a:off x="838080" y="4098240"/>
-            <a:ext cx="3385800" cy="2075040"/>
+            <a:off x="609480" y="3682080"/>
+            <a:ext cx="3533040" cy="1896840"/>
           </a:xfrm>
           <a:prstGeom prst="rect">
             <a:avLst/>
@@ -5967,18 +5840,15 @@
             <a:normAutofit/>
           </a:bodyPr>
           <a:p>
-            <a:endParaRPr b="0" lang="en-US" sz="2800" spc="-1" strike="noStrike">
-              <a:solidFill>
-                <a:srgbClr val="000000"/>
-              </a:solidFill>
-              <a:latin typeface="Calibri"/>
+            <a:endParaRPr b="0" lang="en-US" sz="3200" spc="-1" strike="noStrike">
+              <a:latin typeface="Arial"/>
             </a:endParaRPr>
           </a:p>
         </p:txBody>
       </p:sp>
       <p:sp>
         <p:nvSpPr>
-          <p:cNvPr id="80" name="PlaceHolder 6"/>
+          <p:cNvPr id="74" name="PlaceHolder 6"/>
           <p:cNvSpPr>
             <a:spLocks noGrp="1"/>
           </p:cNvSpPr>
@@ -5988,8 +5858,8 @@
         </p:nvSpPr>
         <p:spPr>
           <a:xfrm>
-            <a:off x="4393440" y="4098240"/>
-            <a:ext cx="3385800" cy="2075040"/>
+            <a:off x="4319640" y="3682080"/>
+            <a:ext cx="3533040" cy="1896840"/>
           </a:xfrm>
           <a:prstGeom prst="rect">
             <a:avLst/>
@@ -6000,18 +5870,15 @@
             <a:normAutofit/>
           </a:bodyPr>
           <a:p>
-            <a:endParaRPr b="0" lang="en-US" sz="2800" spc="-1" strike="noStrike">
-              <a:solidFill>
-                <a:srgbClr val="000000"/>
-              </a:solidFill>
-              <a:latin typeface="Calibri"/>
+            <a:endParaRPr b="0" lang="en-US" sz="3200" spc="-1" strike="noStrike">
+              <a:latin typeface="Arial"/>
             </a:endParaRPr>
           </a:p>
         </p:txBody>
       </p:sp>
       <p:sp>
         <p:nvSpPr>
-          <p:cNvPr id="81" name="PlaceHolder 7"/>
+          <p:cNvPr id="75" name="PlaceHolder 7"/>
           <p:cNvSpPr>
             <a:spLocks noGrp="1"/>
           </p:cNvSpPr>
@@ -6021,8 +5888,8 @@
         </p:nvSpPr>
         <p:spPr>
           <a:xfrm>
-            <a:off x="7949160" y="4098240"/>
-            <a:ext cx="3385800" cy="2075040"/>
+            <a:off x="8029800" y="3682080"/>
+            <a:ext cx="3533040" cy="1896840"/>
           </a:xfrm>
           <a:prstGeom prst="rect">
             <a:avLst/>
@@ -6033,11 +5900,8 @@
             <a:normAutofit/>
           </a:bodyPr>
           <a:p>
-            <a:endParaRPr b="0" lang="en-US" sz="2800" spc="-1" strike="noStrike">
-              <a:solidFill>
-                <a:srgbClr val="000000"/>
-              </a:solidFill>
-              <a:latin typeface="Calibri"/>
+            <a:endParaRPr b="0" lang="en-US" sz="3200" spc="-1" strike="noStrike">
+              <a:latin typeface="Arial"/>
             </a:endParaRPr>
           </a:p>
         </p:txBody>
@@ -6066,7 +5930,7 @@
       </p:grpSpPr>
       <p:sp>
         <p:nvSpPr>
-          <p:cNvPr id="7" name="PlaceHolder 1"/>
+          <p:cNvPr id="4" name="PlaceHolder 1"/>
           <p:cNvSpPr>
             <a:spLocks noGrp="1"/>
           </p:cNvSpPr>
@@ -6076,8 +5940,8 @@
         </p:nvSpPr>
         <p:spPr>
           <a:xfrm>
-            <a:off x="838080" y="365040"/>
-            <a:ext cx="10515240" cy="1325160"/>
+            <a:off x="609480" y="273600"/>
+            <a:ext cx="10972440" cy="1144800"/>
           </a:xfrm>
           <a:prstGeom prst="rect">
             <a:avLst/>
@@ -6088,18 +5952,16 @@
             <a:noAutofit/>
           </a:bodyPr>
           <a:p>
-            <a:endParaRPr b="0" lang="en-US" sz="1800" spc="-1" strike="noStrike">
-              <a:solidFill>
-                <a:srgbClr val="000000"/>
-              </a:solidFill>
-              <a:latin typeface="Calibri"/>
+            <a:pPr algn="ctr"/>
+            <a:endParaRPr b="0" lang="en-US" sz="4400" spc="-1" strike="noStrike">
+              <a:latin typeface="Arial"/>
             </a:endParaRPr>
           </a:p>
         </p:txBody>
       </p:sp>
       <p:sp>
         <p:nvSpPr>
-          <p:cNvPr id="8" name="PlaceHolder 2"/>
+          <p:cNvPr id="5" name="PlaceHolder 2"/>
           <p:cNvSpPr>
             <a:spLocks noGrp="1"/>
           </p:cNvSpPr>
@@ -6109,8 +5971,8 @@
         </p:nvSpPr>
         <p:spPr>
           <a:xfrm>
-            <a:off x="838080" y="1825560"/>
-            <a:ext cx="10515240" cy="4350960"/>
+            <a:off x="609480" y="1604520"/>
+            <a:ext cx="10972440" cy="3977280"/>
           </a:xfrm>
           <a:prstGeom prst="rect">
             <a:avLst/>
@@ -6121,11 +5983,8 @@
             <a:normAutofit/>
           </a:bodyPr>
           <a:p>
-            <a:endParaRPr b="0" lang="en-US" sz="2800" spc="-1" strike="noStrike">
-              <a:solidFill>
-                <a:srgbClr val="000000"/>
-              </a:solidFill>
-              <a:latin typeface="Calibri"/>
+            <a:endParaRPr b="0" lang="en-US" sz="3200" spc="-1" strike="noStrike">
+              <a:latin typeface="Arial"/>
             </a:endParaRPr>
           </a:p>
         </p:txBody>
@@ -6154,7 +6013,7 @@
       </p:grpSpPr>
       <p:sp>
         <p:nvSpPr>
-          <p:cNvPr id="9" name="PlaceHolder 1"/>
+          <p:cNvPr id="6" name="PlaceHolder 1"/>
           <p:cNvSpPr>
             <a:spLocks noGrp="1"/>
           </p:cNvSpPr>
@@ -6164,8 +6023,8 @@
         </p:nvSpPr>
         <p:spPr>
           <a:xfrm>
-            <a:off x="838080" y="365040"/>
-            <a:ext cx="10515240" cy="1325160"/>
+            <a:off x="609480" y="273600"/>
+            <a:ext cx="10972440" cy="1144800"/>
           </a:xfrm>
           <a:prstGeom prst="rect">
             <a:avLst/>
@@ -6176,18 +6035,16 @@
             <a:noAutofit/>
           </a:bodyPr>
           <a:p>
-            <a:endParaRPr b="0" lang="en-US" sz="1800" spc="-1" strike="noStrike">
-              <a:solidFill>
-                <a:srgbClr val="000000"/>
-              </a:solidFill>
-              <a:latin typeface="Calibri"/>
+            <a:pPr algn="ctr"/>
+            <a:endParaRPr b="0" lang="en-US" sz="4400" spc="-1" strike="noStrike">
+              <a:latin typeface="Arial"/>
             </a:endParaRPr>
           </a:p>
         </p:txBody>
       </p:sp>
       <p:sp>
         <p:nvSpPr>
-          <p:cNvPr id="10" name="PlaceHolder 2"/>
+          <p:cNvPr id="7" name="PlaceHolder 2"/>
           <p:cNvSpPr>
             <a:spLocks noGrp="1"/>
           </p:cNvSpPr>
@@ -6197,8 +6054,8 @@
         </p:nvSpPr>
         <p:spPr>
           <a:xfrm>
-            <a:off x="838080" y="1825560"/>
-            <a:ext cx="5131080" cy="4350960"/>
+            <a:off x="609480" y="1604520"/>
+            <a:ext cx="5354280" cy="3977280"/>
           </a:xfrm>
           <a:prstGeom prst="rect">
             <a:avLst/>
@@ -6209,18 +6066,15 @@
             <a:normAutofit/>
           </a:bodyPr>
           <a:p>
-            <a:endParaRPr b="0" lang="en-US" sz="2800" spc="-1" strike="noStrike">
-              <a:solidFill>
-                <a:srgbClr val="000000"/>
-              </a:solidFill>
-              <a:latin typeface="Calibri"/>
+            <a:endParaRPr b="0" lang="en-US" sz="3200" spc="-1" strike="noStrike">
+              <a:latin typeface="Arial"/>
             </a:endParaRPr>
           </a:p>
         </p:txBody>
       </p:sp>
       <p:sp>
         <p:nvSpPr>
-          <p:cNvPr id="11" name="PlaceHolder 3"/>
+          <p:cNvPr id="8" name="PlaceHolder 3"/>
           <p:cNvSpPr>
             <a:spLocks noGrp="1"/>
           </p:cNvSpPr>
@@ -6230,8 +6084,8 @@
         </p:nvSpPr>
         <p:spPr>
           <a:xfrm>
-            <a:off x="6226200" y="1825560"/>
-            <a:ext cx="5131080" cy="4350960"/>
+            <a:off x="6231960" y="1604520"/>
+            <a:ext cx="5354280" cy="3977280"/>
           </a:xfrm>
           <a:prstGeom prst="rect">
             <a:avLst/>
@@ -6242,11 +6096,8 @@
             <a:normAutofit/>
           </a:bodyPr>
           <a:p>
-            <a:endParaRPr b="0" lang="en-US" sz="2800" spc="-1" strike="noStrike">
-              <a:solidFill>
-                <a:srgbClr val="000000"/>
-              </a:solidFill>
-              <a:latin typeface="Calibri"/>
+            <a:endParaRPr b="0" lang="en-US" sz="3200" spc="-1" strike="noStrike">
+              <a:latin typeface="Arial"/>
             </a:endParaRPr>
           </a:p>
         </p:txBody>
@@ -6275,7 +6126,7 @@
       </p:grpSpPr>
       <p:sp>
         <p:nvSpPr>
-          <p:cNvPr id="12" name="PlaceHolder 1"/>
+          <p:cNvPr id="9" name="PlaceHolder 1"/>
           <p:cNvSpPr>
             <a:spLocks noGrp="1"/>
           </p:cNvSpPr>
@@ -6285,8 +6136,8 @@
         </p:nvSpPr>
         <p:spPr>
           <a:xfrm>
-            <a:off x="838080" y="365040"/>
-            <a:ext cx="10515240" cy="1325160"/>
+            <a:off x="609480" y="273600"/>
+            <a:ext cx="10972440" cy="1144800"/>
           </a:xfrm>
           <a:prstGeom prst="rect">
             <a:avLst/>
@@ -6297,11 +6148,9 @@
             <a:noAutofit/>
           </a:bodyPr>
           <a:p>
-            <a:endParaRPr b="0" lang="en-US" sz="1800" spc="-1" strike="noStrike">
-              <a:solidFill>
-                <a:srgbClr val="000000"/>
-              </a:solidFill>
-              <a:latin typeface="Calibri"/>
+            <a:pPr algn="ctr"/>
+            <a:endParaRPr b="0" lang="en-US" sz="4400" spc="-1" strike="noStrike">
+              <a:latin typeface="Arial"/>
             </a:endParaRPr>
           </a:p>
         </p:txBody>
@@ -6330,7 +6179,7 @@
       </p:grpSpPr>
       <p:sp>
         <p:nvSpPr>
-          <p:cNvPr id="13" name="PlaceHolder 1"/>
+          <p:cNvPr id="10" name="PlaceHolder 1"/>
           <p:cNvSpPr>
             <a:spLocks noGrp="1"/>
           </p:cNvSpPr>
@@ -6340,8 +6189,8 @@
         </p:nvSpPr>
         <p:spPr>
           <a:xfrm>
-            <a:off x="838080" y="365040"/>
-            <a:ext cx="10515240" cy="6144120"/>
+            <a:off x="609480" y="273600"/>
+            <a:ext cx="10972440" cy="5307840"/>
           </a:xfrm>
           <a:prstGeom prst="rect">
             <a:avLst/>
@@ -6383,7 +6232,7 @@
       </p:grpSpPr>
       <p:sp>
         <p:nvSpPr>
-          <p:cNvPr id="14" name="PlaceHolder 1"/>
+          <p:cNvPr id="11" name="PlaceHolder 1"/>
           <p:cNvSpPr>
             <a:spLocks noGrp="1"/>
           </p:cNvSpPr>
@@ -6393,8 +6242,8 @@
         </p:nvSpPr>
         <p:spPr>
           <a:xfrm>
-            <a:off x="838080" y="365040"/>
-            <a:ext cx="10515240" cy="1325160"/>
+            <a:off x="609480" y="273600"/>
+            <a:ext cx="10972440" cy="1144800"/>
           </a:xfrm>
           <a:prstGeom prst="rect">
             <a:avLst/>
@@ -6405,18 +6254,16 @@
             <a:noAutofit/>
           </a:bodyPr>
           <a:p>
-            <a:endParaRPr b="0" lang="en-US" sz="1800" spc="-1" strike="noStrike">
-              <a:solidFill>
-                <a:srgbClr val="000000"/>
-              </a:solidFill>
-              <a:latin typeface="Calibri"/>
+            <a:pPr algn="ctr"/>
+            <a:endParaRPr b="0" lang="en-US" sz="4400" spc="-1" strike="noStrike">
+              <a:latin typeface="Arial"/>
             </a:endParaRPr>
           </a:p>
         </p:txBody>
       </p:sp>
       <p:sp>
         <p:nvSpPr>
-          <p:cNvPr id="15" name="PlaceHolder 2"/>
+          <p:cNvPr id="12" name="PlaceHolder 2"/>
           <p:cNvSpPr>
             <a:spLocks noGrp="1"/>
           </p:cNvSpPr>
@@ -6426,8 +6273,8 @@
         </p:nvSpPr>
         <p:spPr>
           <a:xfrm>
-            <a:off x="838080" y="1825560"/>
-            <a:ext cx="5131080" cy="2075040"/>
+            <a:off x="609480" y="1604520"/>
+            <a:ext cx="5354280" cy="1896840"/>
           </a:xfrm>
           <a:prstGeom prst="rect">
             <a:avLst/>
@@ -6438,18 +6285,15 @@
             <a:normAutofit/>
           </a:bodyPr>
           <a:p>
-            <a:endParaRPr b="0" lang="en-US" sz="2800" spc="-1" strike="noStrike">
-              <a:solidFill>
-                <a:srgbClr val="000000"/>
-              </a:solidFill>
-              <a:latin typeface="Calibri"/>
+            <a:endParaRPr b="0" lang="en-US" sz="3200" spc="-1" strike="noStrike">
+              <a:latin typeface="Arial"/>
             </a:endParaRPr>
           </a:p>
         </p:txBody>
       </p:sp>
       <p:sp>
         <p:nvSpPr>
-          <p:cNvPr id="16" name="PlaceHolder 3"/>
+          <p:cNvPr id="13" name="PlaceHolder 3"/>
           <p:cNvSpPr>
             <a:spLocks noGrp="1"/>
           </p:cNvSpPr>
@@ -6459,8 +6303,8 @@
         </p:nvSpPr>
         <p:spPr>
           <a:xfrm>
-            <a:off x="6226200" y="1825560"/>
-            <a:ext cx="5131080" cy="4350960"/>
+            <a:off x="6231960" y="1604520"/>
+            <a:ext cx="5354280" cy="3977280"/>
           </a:xfrm>
           <a:prstGeom prst="rect">
             <a:avLst/>
@@ -6471,18 +6315,15 @@
             <a:normAutofit/>
           </a:bodyPr>
           <a:p>
-            <a:endParaRPr b="0" lang="en-US" sz="2800" spc="-1" strike="noStrike">
-              <a:solidFill>
-                <a:srgbClr val="000000"/>
-              </a:solidFill>
-              <a:latin typeface="Calibri"/>
+            <a:endParaRPr b="0" lang="en-US" sz="3200" spc="-1" strike="noStrike">
+              <a:latin typeface="Arial"/>
             </a:endParaRPr>
           </a:p>
         </p:txBody>
       </p:sp>
       <p:sp>
         <p:nvSpPr>
-          <p:cNvPr id="17" name="PlaceHolder 4"/>
+          <p:cNvPr id="14" name="PlaceHolder 4"/>
           <p:cNvSpPr>
             <a:spLocks noGrp="1"/>
           </p:cNvSpPr>
@@ -6492,8 +6333,8 @@
         </p:nvSpPr>
         <p:spPr>
           <a:xfrm>
-            <a:off x="838080" y="4098240"/>
-            <a:ext cx="5131080" cy="2075040"/>
+            <a:off x="609480" y="3682080"/>
+            <a:ext cx="5354280" cy="1896840"/>
           </a:xfrm>
           <a:prstGeom prst="rect">
             <a:avLst/>
@@ -6504,11 +6345,8 @@
             <a:normAutofit/>
           </a:bodyPr>
           <a:p>
-            <a:endParaRPr b="0" lang="en-US" sz="2800" spc="-1" strike="noStrike">
-              <a:solidFill>
-                <a:srgbClr val="000000"/>
-              </a:solidFill>
-              <a:latin typeface="Calibri"/>
+            <a:endParaRPr b="0" lang="en-US" sz="3200" spc="-1" strike="noStrike">
+              <a:latin typeface="Arial"/>
             </a:endParaRPr>
           </a:p>
         </p:txBody>
@@ -6537,7 +6375,7 @@
       </p:grpSpPr>
       <p:sp>
         <p:nvSpPr>
-          <p:cNvPr id="18" name="PlaceHolder 1"/>
+          <p:cNvPr id="15" name="PlaceHolder 1"/>
           <p:cNvSpPr>
             <a:spLocks noGrp="1"/>
           </p:cNvSpPr>
@@ -6547,8 +6385,8 @@
         </p:nvSpPr>
         <p:spPr>
           <a:xfrm>
-            <a:off x="838080" y="365040"/>
-            <a:ext cx="10515240" cy="1325160"/>
+            <a:off x="609480" y="273600"/>
+            <a:ext cx="10972440" cy="1144800"/>
           </a:xfrm>
           <a:prstGeom prst="rect">
             <a:avLst/>
@@ -6559,18 +6397,16 @@
             <a:noAutofit/>
           </a:bodyPr>
           <a:p>
-            <a:endParaRPr b="0" lang="en-US" sz="1800" spc="-1" strike="noStrike">
-              <a:solidFill>
-                <a:srgbClr val="000000"/>
-              </a:solidFill>
-              <a:latin typeface="Calibri"/>
+            <a:pPr algn="ctr"/>
+            <a:endParaRPr b="0" lang="en-US" sz="4400" spc="-1" strike="noStrike">
+              <a:latin typeface="Arial"/>
             </a:endParaRPr>
           </a:p>
         </p:txBody>
       </p:sp>
       <p:sp>
         <p:nvSpPr>
-          <p:cNvPr id="19" name="PlaceHolder 2"/>
+          <p:cNvPr id="16" name="PlaceHolder 2"/>
           <p:cNvSpPr>
             <a:spLocks noGrp="1"/>
           </p:cNvSpPr>
@@ -6580,8 +6416,8 @@
         </p:nvSpPr>
         <p:spPr>
           <a:xfrm>
-            <a:off x="838080" y="1825560"/>
-            <a:ext cx="5131080" cy="4350960"/>
+            <a:off x="609480" y="1604520"/>
+            <a:ext cx="5354280" cy="3977280"/>
           </a:xfrm>
           <a:prstGeom prst="rect">
             <a:avLst/>
@@ -6592,18 +6428,15 @@
             <a:normAutofit/>
           </a:bodyPr>
           <a:p>
-            <a:endParaRPr b="0" lang="en-US" sz="2800" spc="-1" strike="noStrike">
-              <a:solidFill>
-                <a:srgbClr val="000000"/>
-              </a:solidFill>
-              <a:latin typeface="Calibri"/>
+            <a:endParaRPr b="0" lang="en-US" sz="3200" spc="-1" strike="noStrike">
+              <a:latin typeface="Arial"/>
             </a:endParaRPr>
           </a:p>
         </p:txBody>
       </p:sp>
       <p:sp>
         <p:nvSpPr>
-          <p:cNvPr id="20" name="PlaceHolder 3"/>
+          <p:cNvPr id="17" name="PlaceHolder 3"/>
           <p:cNvSpPr>
             <a:spLocks noGrp="1"/>
           </p:cNvSpPr>
@@ -6613,8 +6446,8 @@
         </p:nvSpPr>
         <p:spPr>
           <a:xfrm>
-            <a:off x="6226200" y="1825560"/>
-            <a:ext cx="5131080" cy="2075040"/>
+            <a:off x="6231960" y="1604520"/>
+            <a:ext cx="5354280" cy="1896840"/>
           </a:xfrm>
           <a:prstGeom prst="rect">
             <a:avLst/>
@@ -6625,18 +6458,15 @@
             <a:normAutofit/>
           </a:bodyPr>
           <a:p>
-            <a:endParaRPr b="0" lang="en-US" sz="2800" spc="-1" strike="noStrike">
-              <a:solidFill>
-                <a:srgbClr val="000000"/>
-              </a:solidFill>
-              <a:latin typeface="Calibri"/>
+            <a:endParaRPr b="0" lang="en-US" sz="3200" spc="-1" strike="noStrike">
+              <a:latin typeface="Arial"/>
             </a:endParaRPr>
           </a:p>
         </p:txBody>
       </p:sp>
       <p:sp>
         <p:nvSpPr>
-          <p:cNvPr id="21" name="PlaceHolder 4"/>
+          <p:cNvPr id="18" name="PlaceHolder 4"/>
           <p:cNvSpPr>
             <a:spLocks noGrp="1"/>
           </p:cNvSpPr>
@@ -6646,8 +6476,8 @@
         </p:nvSpPr>
         <p:spPr>
           <a:xfrm>
-            <a:off x="6226200" y="4098240"/>
-            <a:ext cx="5131080" cy="2075040"/>
+            <a:off x="6231960" y="3682080"/>
+            <a:ext cx="5354280" cy="1896840"/>
           </a:xfrm>
           <a:prstGeom prst="rect">
             <a:avLst/>
@@ -6658,11 +6488,8 @@
             <a:normAutofit/>
           </a:bodyPr>
           <a:p>
-            <a:endParaRPr b="0" lang="en-US" sz="2800" spc="-1" strike="noStrike">
-              <a:solidFill>
-                <a:srgbClr val="000000"/>
-              </a:solidFill>
-              <a:latin typeface="Calibri"/>
+            <a:endParaRPr b="0" lang="en-US" sz="3200" spc="-1" strike="noStrike">
+              <a:latin typeface="Arial"/>
             </a:endParaRPr>
           </a:p>
         </p:txBody>
@@ -6691,7 +6518,7 @@
       </p:grpSpPr>
       <p:sp>
         <p:nvSpPr>
-          <p:cNvPr id="22" name="PlaceHolder 1"/>
+          <p:cNvPr id="19" name="PlaceHolder 1"/>
           <p:cNvSpPr>
             <a:spLocks noGrp="1"/>
           </p:cNvSpPr>
@@ -6701,8 +6528,8 @@
         </p:nvSpPr>
         <p:spPr>
           <a:xfrm>
-            <a:off x="838080" y="365040"/>
-            <a:ext cx="10515240" cy="1325160"/>
+            <a:off x="609480" y="273600"/>
+            <a:ext cx="10972440" cy="1144800"/>
           </a:xfrm>
           <a:prstGeom prst="rect">
             <a:avLst/>
@@ -6713,18 +6540,16 @@
             <a:noAutofit/>
           </a:bodyPr>
           <a:p>
-            <a:endParaRPr b="0" lang="en-US" sz="1800" spc="-1" strike="noStrike">
-              <a:solidFill>
-                <a:srgbClr val="000000"/>
-              </a:solidFill>
-              <a:latin typeface="Calibri"/>
+            <a:pPr algn="ctr"/>
+            <a:endParaRPr b="0" lang="en-US" sz="4400" spc="-1" strike="noStrike">
+              <a:latin typeface="Arial"/>
             </a:endParaRPr>
           </a:p>
         </p:txBody>
       </p:sp>
       <p:sp>
         <p:nvSpPr>
-          <p:cNvPr id="23" name="PlaceHolder 2"/>
+          <p:cNvPr id="20" name="PlaceHolder 2"/>
           <p:cNvSpPr>
             <a:spLocks noGrp="1"/>
           </p:cNvSpPr>
@@ -6734,8 +6559,8 @@
         </p:nvSpPr>
         <p:spPr>
           <a:xfrm>
-            <a:off x="838080" y="1825560"/>
-            <a:ext cx="5131080" cy="2075040"/>
+            <a:off x="609480" y="1604520"/>
+            <a:ext cx="5354280" cy="1896840"/>
           </a:xfrm>
           <a:prstGeom prst="rect">
             <a:avLst/>
@@ -6746,18 +6571,15 @@
             <a:normAutofit/>
           </a:bodyPr>
           <a:p>
-            <a:endParaRPr b="0" lang="en-US" sz="2800" spc="-1" strike="noStrike">
-              <a:solidFill>
-                <a:srgbClr val="000000"/>
-              </a:solidFill>
-              <a:latin typeface="Calibri"/>
+            <a:endParaRPr b="0" lang="en-US" sz="3200" spc="-1" strike="noStrike">
+              <a:latin typeface="Arial"/>
             </a:endParaRPr>
           </a:p>
         </p:txBody>
       </p:sp>
       <p:sp>
         <p:nvSpPr>
-          <p:cNvPr id="24" name="PlaceHolder 3"/>
+          <p:cNvPr id="21" name="PlaceHolder 3"/>
           <p:cNvSpPr>
             <a:spLocks noGrp="1"/>
           </p:cNvSpPr>
@@ -6767,8 +6589,8 @@
         </p:nvSpPr>
         <p:spPr>
           <a:xfrm>
-            <a:off x="6226200" y="1825560"/>
-            <a:ext cx="5131080" cy="2075040"/>
+            <a:off x="6231960" y="1604520"/>
+            <a:ext cx="5354280" cy="1896840"/>
           </a:xfrm>
           <a:prstGeom prst="rect">
             <a:avLst/>
@@ -6779,18 +6601,15 @@
             <a:normAutofit/>
           </a:bodyPr>
           <a:p>
-            <a:endParaRPr b="0" lang="en-US" sz="2800" spc="-1" strike="noStrike">
-              <a:solidFill>
-                <a:srgbClr val="000000"/>
-              </a:solidFill>
-              <a:latin typeface="Calibri"/>
+            <a:endParaRPr b="0" lang="en-US" sz="3200" spc="-1" strike="noStrike">
+              <a:latin typeface="Arial"/>
             </a:endParaRPr>
           </a:p>
         </p:txBody>
       </p:sp>
       <p:sp>
         <p:nvSpPr>
-          <p:cNvPr id="25" name="PlaceHolder 4"/>
+          <p:cNvPr id="22" name="PlaceHolder 4"/>
           <p:cNvSpPr>
             <a:spLocks noGrp="1"/>
           </p:cNvSpPr>
@@ -6800,8 +6619,8 @@
         </p:nvSpPr>
         <p:spPr>
           <a:xfrm>
-            <a:off x="838080" y="4098240"/>
-            <a:ext cx="10515240" cy="2075040"/>
+            <a:off x="609480" y="3682080"/>
+            <a:ext cx="10972440" cy="1896840"/>
           </a:xfrm>
           <a:prstGeom prst="rect">
             <a:avLst/>
@@ -6812,11 +6631,8 @@
             <a:normAutofit/>
           </a:bodyPr>
           <a:p>
-            <a:endParaRPr b="0" lang="en-US" sz="2800" spc="-1" strike="noStrike">
-              <a:solidFill>
-                <a:srgbClr val="000000"/>
-              </a:solidFill>
-              <a:latin typeface="Calibri"/>
+            <a:endParaRPr b="0" lang="en-US" sz="3200" spc="-1" strike="noStrike">
+              <a:latin typeface="Arial"/>
             </a:endParaRPr>
           </a:p>
         </p:txBody>
@@ -6862,37 +6678,27 @@
         </p:nvSpPr>
         <p:spPr>
           <a:xfrm>
-            <a:off x="1523880" y="1122480"/>
-            <a:ext cx="9143640" cy="2387160"/>
+            <a:off x="838080" y="365040"/>
+            <a:ext cx="10514880" cy="1324800"/>
           </a:xfrm>
           <a:prstGeom prst="rect">
             <a:avLst/>
           </a:prstGeom>
         </p:spPr>
         <p:txBody>
-          <a:bodyPr anchor="b">
+          <a:bodyPr lIns="0" rIns="0" tIns="0" bIns="0" anchor="ctr">
             <a:noAutofit/>
           </a:bodyPr>
           <a:p>
-            <a:pPr algn="ctr">
-              <a:lnSpc>
-                <a:spcPct val="90000"/>
-              </a:lnSpc>
-            </a:pPr>
+            <a:pPr algn="ctr"/>
             <a:r>
-              <a:rPr b="0" lang="en-US" sz="6000" spc="-1" strike="noStrike">
-                <a:solidFill>
-                  <a:srgbClr val="000000"/>
-                </a:solidFill>
-                <a:latin typeface="Calibri Light"/>
+              <a:rPr b="0" lang="en-US" sz="1800" spc="-1" strike="noStrike">
+                <a:latin typeface="Arial"/>
               </a:rPr>
-              <a:t>Click to edit Master title style</a:t>
+              <a:t>Click to edit the title text format</a:t>
             </a:r>
-            <a:endParaRPr b="0" lang="en-US" sz="6000" spc="-1" strike="noStrike">
-              <a:solidFill>
-                <a:srgbClr val="000000"/>
-              </a:solidFill>
-              <a:latin typeface="Calibri"/>
+            <a:endParaRPr b="0" lang="en-US" sz="1800" spc="-1" strike="noStrike">
+              <a:latin typeface="Arial"/>
             </a:endParaRPr>
           </a:p>
         </p:txBody>
@@ -6900,124 +6706,6 @@
       <p:sp>
         <p:nvSpPr>
           <p:cNvPr id="1" name="PlaceHolder 2"/>
-          <p:cNvSpPr>
-            <a:spLocks noGrp="1"/>
-          </p:cNvSpPr>
-          <p:nvPr>
-            <p:ph type="dt"/>
-          </p:nvPr>
-        </p:nvSpPr>
-        <p:spPr>
-          <a:xfrm>
-            <a:off x="838080" y="6356520"/>
-            <a:ext cx="2742840" cy="364680"/>
-          </a:xfrm>
-          <a:prstGeom prst="rect">
-            <a:avLst/>
-          </a:prstGeom>
-        </p:spPr>
-        <p:txBody>
-          <a:bodyPr anchor="ctr">
-            <a:noAutofit/>
-          </a:bodyPr>
-          <a:p>
-            <a:pPr>
-              <a:lnSpc>
-                <a:spcPct val="100000"/>
-              </a:lnSpc>
-            </a:pPr>
-            <a:fld id="{6664EB9D-55B3-42A0-B660-E8D31992BA50}" type="datetime">
-              <a:rPr b="0" lang="en-US" sz="1200" spc="-1" strike="noStrike">
-                <a:solidFill>
-                  <a:srgbClr val="8b8b8b"/>
-                </a:solidFill>
-                <a:latin typeface="Calibri"/>
-              </a:rPr>
-              <a:t>10/12/20</a:t>
-            </a:fld>
-            <a:endParaRPr b="0" lang="en-US" sz="1200" spc="-1" strike="noStrike">
-              <a:latin typeface="Times New Roman"/>
-            </a:endParaRPr>
-          </a:p>
-        </p:txBody>
-      </p:sp>
-      <p:sp>
-        <p:nvSpPr>
-          <p:cNvPr id="2" name="PlaceHolder 3"/>
-          <p:cNvSpPr>
-            <a:spLocks noGrp="1"/>
-          </p:cNvSpPr>
-          <p:nvPr>
-            <p:ph type="ftr"/>
-          </p:nvPr>
-        </p:nvSpPr>
-        <p:spPr>
-          <a:xfrm>
-            <a:off x="4038480" y="6356520"/>
-            <a:ext cx="4114440" cy="364680"/>
-          </a:xfrm>
-          <a:prstGeom prst="rect">
-            <a:avLst/>
-          </a:prstGeom>
-        </p:spPr>
-        <p:txBody>
-          <a:bodyPr anchor="ctr">
-            <a:noAutofit/>
-          </a:bodyPr>
-          <a:p>
-            <a:endParaRPr b="0" lang="en-US" sz="2400" spc="-1" strike="noStrike">
-              <a:latin typeface="Times New Roman"/>
-            </a:endParaRPr>
-          </a:p>
-        </p:txBody>
-      </p:sp>
-      <p:sp>
-        <p:nvSpPr>
-          <p:cNvPr id="3" name="PlaceHolder 4"/>
-          <p:cNvSpPr>
-            <a:spLocks noGrp="1"/>
-          </p:cNvSpPr>
-          <p:nvPr>
-            <p:ph type="sldNum"/>
-          </p:nvPr>
-        </p:nvSpPr>
-        <p:spPr>
-          <a:xfrm>
-            <a:off x="8610480" y="6356520"/>
-            <a:ext cx="2742840" cy="364680"/>
-          </a:xfrm>
-          <a:prstGeom prst="rect">
-            <a:avLst/>
-          </a:prstGeom>
-        </p:spPr>
-        <p:txBody>
-          <a:bodyPr anchor="ctr">
-            <a:noAutofit/>
-          </a:bodyPr>
-          <a:p>
-            <a:pPr algn="r">
-              <a:lnSpc>
-                <a:spcPct val="100000"/>
-              </a:lnSpc>
-            </a:pPr>
-            <a:fld id="{C6BF99E5-DCE7-43EB-9DEB-6438A68668E3}" type="slidenum">
-              <a:rPr b="0" lang="en-US" sz="1200" spc="-1" strike="noStrike">
-                <a:solidFill>
-                  <a:srgbClr val="8b8b8b"/>
-                </a:solidFill>
-                <a:latin typeface="Calibri"/>
-              </a:rPr>
-              <a:t>&lt;number&gt;</a:t>
-            </a:fld>
-            <a:endParaRPr b="0" lang="en-US" sz="1200" spc="-1" strike="noStrike">
-              <a:latin typeface="Times New Roman"/>
-            </a:endParaRPr>
-          </a:p>
-        </p:txBody>
-      </p:sp>
-      <p:sp>
-        <p:nvSpPr>
-          <p:cNvPr id="4" name="PlaceHolder 5"/>
           <p:cNvSpPr>
             <a:spLocks noGrp="1"/>
           </p:cNvSpPr>
@@ -7051,19 +6739,13 @@
               <a:buChar char=""/>
             </a:pPr>
             <a:r>
-              <a:rPr b="0" lang="en-US" sz="2800" spc="-1" strike="noStrike">
-                <a:solidFill>
-                  <a:srgbClr val="000000"/>
-                </a:solidFill>
-                <a:latin typeface="Calibri"/>
+              <a:rPr b="0" lang="en-US" sz="3200" spc="-1" strike="noStrike">
+                <a:latin typeface="Arial"/>
               </a:rPr>
               <a:t>Click to edit the outline text format</a:t>
             </a:r>
-            <a:endParaRPr b="0" lang="en-US" sz="2800" spc="-1" strike="noStrike">
-              <a:solidFill>
-                <a:srgbClr val="000000"/>
-              </a:solidFill>
-              <a:latin typeface="Calibri"/>
+            <a:endParaRPr b="0" lang="en-US" sz="3200" spc="-1" strike="noStrike">
+              <a:latin typeface="Arial"/>
             </a:endParaRPr>
           </a:p>
           <a:p>
@@ -7079,19 +6761,13 @@
               <a:buChar char=""/>
             </a:pPr>
             <a:r>
-              <a:rPr b="0" lang="en-US" sz="2000" spc="-1" strike="noStrike">
-                <a:solidFill>
-                  <a:srgbClr val="000000"/>
-                </a:solidFill>
-                <a:latin typeface="Calibri"/>
+              <a:rPr b="0" lang="en-US" sz="2800" spc="-1" strike="noStrike">
+                <a:latin typeface="Arial"/>
               </a:rPr>
               <a:t>Second Outline Level</a:t>
             </a:r>
-            <a:endParaRPr b="0" lang="en-US" sz="2000" spc="-1" strike="noStrike">
-              <a:solidFill>
-                <a:srgbClr val="000000"/>
-              </a:solidFill>
-              <a:latin typeface="Calibri"/>
+            <a:endParaRPr b="0" lang="en-US" sz="2800" spc="-1" strike="noStrike">
+              <a:latin typeface="Arial"/>
             </a:endParaRPr>
           </a:p>
           <a:p>
@@ -7107,19 +6783,13 @@
               <a:buChar char=""/>
             </a:pPr>
             <a:r>
-              <a:rPr b="0" lang="en-US" sz="1800" spc="-1" strike="noStrike">
-                <a:solidFill>
-                  <a:srgbClr val="000000"/>
-                </a:solidFill>
-                <a:latin typeface="Calibri"/>
+              <a:rPr b="0" lang="en-US" sz="2400" spc="-1" strike="noStrike">
+                <a:latin typeface="Arial"/>
               </a:rPr>
               <a:t>Third Outline Level</a:t>
             </a:r>
-            <a:endParaRPr b="0" lang="en-US" sz="1800" spc="-1" strike="noStrike">
-              <a:solidFill>
-                <a:srgbClr val="000000"/>
-              </a:solidFill>
-              <a:latin typeface="Calibri"/>
+            <a:endParaRPr b="0" lang="en-US" sz="2400" spc="-1" strike="noStrike">
+              <a:latin typeface="Arial"/>
             </a:endParaRPr>
           </a:p>
           <a:p>
@@ -7135,19 +6805,13 @@
               <a:buChar char=""/>
             </a:pPr>
             <a:r>
-              <a:rPr b="0" lang="en-US" sz="1800" spc="-1" strike="noStrike">
-                <a:solidFill>
-                  <a:srgbClr val="000000"/>
-                </a:solidFill>
-                <a:latin typeface="Calibri"/>
+              <a:rPr b="0" lang="en-US" sz="2000" spc="-1" strike="noStrike">
+                <a:latin typeface="Arial"/>
               </a:rPr>
               <a:t>Fourth Outline Level</a:t>
             </a:r>
-            <a:endParaRPr b="0" lang="en-US" sz="1800" spc="-1" strike="noStrike">
-              <a:solidFill>
-                <a:srgbClr val="000000"/>
-              </a:solidFill>
-              <a:latin typeface="Calibri"/>
+            <a:endParaRPr b="0" lang="en-US" sz="2000" spc="-1" strike="noStrike">
+              <a:latin typeface="Arial"/>
             </a:endParaRPr>
           </a:p>
           <a:p>
@@ -7164,18 +6828,12 @@
             </a:pPr>
             <a:r>
               <a:rPr b="0" lang="en-US" sz="2000" spc="-1" strike="noStrike">
-                <a:solidFill>
-                  <a:srgbClr val="000000"/>
-                </a:solidFill>
-                <a:latin typeface="Calibri"/>
+                <a:latin typeface="Arial"/>
               </a:rPr>
               <a:t>Fifth Outline Level</a:t>
             </a:r>
             <a:endParaRPr b="0" lang="en-US" sz="2000" spc="-1" strike="noStrike">
-              <a:solidFill>
-                <a:srgbClr val="000000"/>
-              </a:solidFill>
-              <a:latin typeface="Calibri"/>
+              <a:latin typeface="Arial"/>
             </a:endParaRPr>
           </a:p>
           <a:p>
@@ -7192,18 +6850,12 @@
             </a:pPr>
             <a:r>
               <a:rPr b="0" lang="en-US" sz="2000" spc="-1" strike="noStrike">
-                <a:solidFill>
-                  <a:srgbClr val="000000"/>
-                </a:solidFill>
-                <a:latin typeface="Calibri"/>
+                <a:latin typeface="Arial"/>
               </a:rPr>
               <a:t>Sixth Outline Level</a:t>
             </a:r>
             <a:endParaRPr b="0" lang="en-US" sz="2000" spc="-1" strike="noStrike">
-              <a:solidFill>
-                <a:srgbClr val="000000"/>
-              </a:solidFill>
-              <a:latin typeface="Calibri"/>
+              <a:latin typeface="Arial"/>
             </a:endParaRPr>
           </a:p>
           <a:p>
@@ -7220,18 +6872,12 @@
             </a:pPr>
             <a:r>
               <a:rPr b="0" lang="en-US" sz="2000" spc="-1" strike="noStrike">
-                <a:solidFill>
-                  <a:srgbClr val="000000"/>
-                </a:solidFill>
-                <a:latin typeface="Calibri"/>
+                <a:latin typeface="Arial"/>
               </a:rPr>
               <a:t>Seventh Outline Level</a:t>
             </a:r>
             <a:endParaRPr b="0" lang="en-US" sz="2000" spc="-1" strike="noStrike">
-              <a:solidFill>
-                <a:srgbClr val="000000"/>
-              </a:solidFill>
-              <a:latin typeface="Calibri"/>
+              <a:latin typeface="Arial"/>
             </a:endParaRPr>
           </a:p>
         </p:txBody>
@@ -7282,7 +6928,7 @@
       </p:grpSpPr>
       <p:sp>
         <p:nvSpPr>
-          <p:cNvPr id="41" name="PlaceHolder 1"/>
+          <p:cNvPr id="38" name="PlaceHolder 1"/>
           <p:cNvSpPr>
             <a:spLocks noGrp="1"/>
           </p:cNvSpPr>
@@ -7292,44 +6938,34 @@
         </p:nvSpPr>
         <p:spPr>
           <a:xfrm>
-            <a:off x="838080" y="365040"/>
-            <a:ext cx="10515240" cy="1325160"/>
+            <a:off x="609480" y="273600"/>
+            <a:ext cx="10972440" cy="1144800"/>
           </a:xfrm>
           <a:prstGeom prst="rect">
             <a:avLst/>
           </a:prstGeom>
         </p:spPr>
         <p:txBody>
-          <a:bodyPr anchor="ctr">
+          <a:bodyPr lIns="0" rIns="0" tIns="0" bIns="0" anchor="ctr">
             <a:noAutofit/>
           </a:bodyPr>
           <a:p>
-            <a:pPr>
-              <a:lnSpc>
-                <a:spcPct val="90000"/>
-              </a:lnSpc>
-            </a:pPr>
+            <a:pPr algn="ctr"/>
             <a:r>
               <a:rPr b="0" lang="en-US" sz="4400" spc="-1" strike="noStrike">
-                <a:solidFill>
-                  <a:srgbClr val="000000"/>
-                </a:solidFill>
-                <a:latin typeface="Calibri Light"/>
+                <a:latin typeface="Arial"/>
               </a:rPr>
-              <a:t>Click to edit Master title style</a:t>
+              <a:t>Click to edit the title text format</a:t>
             </a:r>
             <a:endParaRPr b="0" lang="en-US" sz="4400" spc="-1" strike="noStrike">
-              <a:solidFill>
-                <a:srgbClr val="000000"/>
-              </a:solidFill>
-              <a:latin typeface="Calibri"/>
+              <a:latin typeface="Arial"/>
             </a:endParaRPr>
           </a:p>
         </p:txBody>
       </p:sp>
       <p:sp>
         <p:nvSpPr>
-          <p:cNvPr id="42" name="PlaceHolder 2"/>
+          <p:cNvPr id="39" name="PlaceHolder 2"/>
           <p:cNvSpPr>
             <a:spLocks noGrp="1"/>
           </p:cNvSpPr>
@@ -7339,283 +6975,169 @@
         </p:nvSpPr>
         <p:spPr>
           <a:xfrm>
-            <a:off x="838080" y="1825560"/>
-            <a:ext cx="10515240" cy="4350960"/>
+            <a:off x="609480" y="1604520"/>
+            <a:ext cx="10972440" cy="3977280"/>
           </a:xfrm>
           <a:prstGeom prst="rect">
             <a:avLst/>
           </a:prstGeom>
         </p:spPr>
         <p:txBody>
-          <a:bodyPr>
-            <a:noAutofit/>
+          <a:bodyPr lIns="0" rIns="0" tIns="0" bIns="0">
+            <a:normAutofit/>
           </a:bodyPr>
           <a:p>
-            <a:pPr marL="228600" indent="-228240">
-              <a:lnSpc>
-                <a:spcPct val="90000"/>
-              </a:lnSpc>
+            <a:pPr marL="432000" indent="-324000">
               <a:spcBef>
-                <a:spcPts val="1001"/>
+                <a:spcPts val="1417"/>
               </a:spcBef>
               <a:buClr>
                 <a:srgbClr val="000000"/>
               </a:buClr>
-              <a:buFont typeface="Arial"/>
-              <a:buChar char="•"/>
+              <a:buSzPct val="45000"/>
+              <a:buFont typeface="Wingdings" charset="2"/>
+              <a:buChar char=""/>
             </a:pPr>
             <a:r>
-              <a:rPr b="0" lang="en-US" sz="2800" spc="-1" strike="noStrike">
-                <a:solidFill>
-                  <a:srgbClr val="000000"/>
-                </a:solidFill>
-                <a:latin typeface="Calibri"/>
+              <a:rPr b="0" lang="en-US" sz="3200" spc="-1" strike="noStrike">
+                <a:latin typeface="Arial"/>
               </a:rPr>
-              <a:t>Click to edit Master text styles</a:t>
+              <a:t>Click to edit the outline text format</a:t>
             </a:r>
-            <a:endParaRPr b="0" lang="en-US" sz="2800" spc="-1" strike="noStrike">
-              <a:solidFill>
-                <a:srgbClr val="000000"/>
-              </a:solidFill>
-              <a:latin typeface="Calibri"/>
-            </a:endParaRPr>
-          </a:p>
-          <a:p>
-            <a:pPr lvl="1" marL="685800" indent="-228240">
-              <a:lnSpc>
-                <a:spcPct val="90000"/>
-              </a:lnSpc>
+            <a:endParaRPr b="0" lang="en-US" sz="3200" spc="-1" strike="noStrike">
+              <a:latin typeface="Arial"/>
+            </a:endParaRPr>
+          </a:p>
+          <a:p>
+            <a:pPr lvl="1" marL="864000" indent="-324000">
               <a:spcBef>
-                <a:spcPts val="499"/>
+                <a:spcPts val="1134"/>
               </a:spcBef>
               <a:buClr>
                 <a:srgbClr val="000000"/>
               </a:buClr>
-              <a:buFont typeface="Arial"/>
-              <a:buChar char="•"/>
+              <a:buSzPct val="75000"/>
+              <a:buFont typeface="Symbol" charset="2"/>
+              <a:buChar char=""/>
             </a:pPr>
             <a:r>
-              <a:rPr b="0" lang="en-US" sz="2400" spc="-1" strike="noStrike">
-                <a:solidFill>
-                  <a:srgbClr val="000000"/>
-                </a:solidFill>
-                <a:latin typeface="Calibri"/>
+              <a:rPr b="0" lang="en-US" sz="2800" spc="-1" strike="noStrike">
+                <a:latin typeface="Arial"/>
               </a:rPr>
-              <a:t>Second level</a:t>
+              <a:t>Second Outline Level</a:t>
             </a:r>
-            <a:endParaRPr b="0" lang="en-US" sz="2400" spc="-1" strike="noStrike">
-              <a:solidFill>
-                <a:srgbClr val="000000"/>
-              </a:solidFill>
-              <a:latin typeface="Calibri"/>
-            </a:endParaRPr>
-          </a:p>
-          <a:p>
-            <a:pPr lvl="2" marL="1143000" indent="-228240">
-              <a:lnSpc>
-                <a:spcPct val="90000"/>
-              </a:lnSpc>
+            <a:endParaRPr b="0" lang="en-US" sz="2800" spc="-1" strike="noStrike">
+              <a:latin typeface="Arial"/>
+            </a:endParaRPr>
+          </a:p>
+          <a:p>
+            <a:pPr lvl="2" marL="1296000" indent="-288000">
               <a:spcBef>
-                <a:spcPts val="499"/>
+                <a:spcPts val="850"/>
               </a:spcBef>
               <a:buClr>
                 <a:srgbClr val="000000"/>
               </a:buClr>
-              <a:buFont typeface="Arial"/>
-              <a:buChar char="•"/>
+              <a:buSzPct val="45000"/>
+              <a:buFont typeface="Wingdings" charset="2"/>
+              <a:buChar char=""/>
             </a:pPr>
             <a:r>
-              <a:rPr b="0" lang="en-US" sz="2000" spc="-1" strike="noStrike">
-                <a:solidFill>
-                  <a:srgbClr val="000000"/>
-                </a:solidFill>
-                <a:latin typeface="Calibri"/>
+              <a:rPr b="0" lang="en-US" sz="2400" spc="-1" strike="noStrike">
+                <a:latin typeface="Arial"/>
               </a:rPr>
-              <a:t>Third level</a:t>
+              <a:t>Third Outline Level</a:t>
             </a:r>
-            <a:endParaRPr b="0" lang="en-US" sz="2000" spc="-1" strike="noStrike">
-              <a:solidFill>
-                <a:srgbClr val="000000"/>
-              </a:solidFill>
-              <a:latin typeface="Calibri"/>
-            </a:endParaRPr>
-          </a:p>
-          <a:p>
-            <a:pPr lvl="3" marL="1600200" indent="-228240">
-              <a:lnSpc>
-                <a:spcPct val="90000"/>
-              </a:lnSpc>
+            <a:endParaRPr b="0" lang="en-US" sz="2400" spc="-1" strike="noStrike">
+              <a:latin typeface="Arial"/>
+            </a:endParaRPr>
+          </a:p>
+          <a:p>
+            <a:pPr lvl="3" marL="1728000" indent="-216000">
               <a:spcBef>
-                <a:spcPts val="499"/>
+                <a:spcPts val="567"/>
               </a:spcBef>
               <a:buClr>
                 <a:srgbClr val="000000"/>
               </a:buClr>
-              <a:buFont typeface="Arial"/>
-              <a:buChar char="•"/>
+              <a:buSzPct val="75000"/>
+              <a:buFont typeface="Symbol" charset="2"/>
+              <a:buChar char=""/>
             </a:pPr>
             <a:r>
-              <a:rPr b="0" lang="en-US" sz="1800" spc="-1" strike="noStrike">
-                <a:solidFill>
-                  <a:srgbClr val="000000"/>
-                </a:solidFill>
-                <a:latin typeface="Calibri"/>
+              <a:rPr b="0" lang="en-US" sz="2000" spc="-1" strike="noStrike">
+                <a:latin typeface="Arial"/>
               </a:rPr>
-              <a:t>Fourth level</a:t>
+              <a:t>Fourth Outline Level</a:t>
             </a:r>
-            <a:endParaRPr b="0" lang="en-US" sz="1800" spc="-1" strike="noStrike">
-              <a:solidFill>
-                <a:srgbClr val="000000"/>
-              </a:solidFill>
-              <a:latin typeface="Calibri"/>
-            </a:endParaRPr>
-          </a:p>
-          <a:p>
-            <a:pPr lvl="4" marL="2057400" indent="-228240">
-              <a:lnSpc>
-                <a:spcPct val="90000"/>
-              </a:lnSpc>
+            <a:endParaRPr b="0" lang="en-US" sz="2000" spc="-1" strike="noStrike">
+              <a:latin typeface="Arial"/>
+            </a:endParaRPr>
+          </a:p>
+          <a:p>
+            <a:pPr lvl="4" marL="2160000" indent="-216000">
               <a:spcBef>
-                <a:spcPts val="499"/>
+                <a:spcPts val="283"/>
               </a:spcBef>
               <a:buClr>
                 <a:srgbClr val="000000"/>
               </a:buClr>
-              <a:buFont typeface="Arial"/>
-              <a:buChar char="•"/>
+              <a:buSzPct val="45000"/>
+              <a:buFont typeface="Wingdings" charset="2"/>
+              <a:buChar char=""/>
             </a:pPr>
             <a:r>
-              <a:rPr b="0" lang="en-US" sz="1800" spc="-1" strike="noStrike">
-                <a:solidFill>
-                  <a:srgbClr val="000000"/>
-                </a:solidFill>
-                <a:latin typeface="Calibri"/>
+              <a:rPr b="0" lang="en-US" sz="2000" spc="-1" strike="noStrike">
+                <a:latin typeface="Arial"/>
               </a:rPr>
-              <a:t>Fifth level</a:t>
+              <a:t>Fifth Outline Level</a:t>
             </a:r>
-            <a:endParaRPr b="0" lang="en-US" sz="1800" spc="-1" strike="noStrike">
-              <a:solidFill>
+            <a:endParaRPr b="0" lang="en-US" sz="2000" spc="-1" strike="noStrike">
+              <a:latin typeface="Arial"/>
+            </a:endParaRPr>
+          </a:p>
+          <a:p>
+            <a:pPr lvl="5" marL="2592000" indent="-216000">
+              <a:spcBef>
+                <a:spcPts val="283"/>
+              </a:spcBef>
+              <a:buClr>
                 <a:srgbClr val="000000"/>
-              </a:solidFill>
-              <a:latin typeface="Calibri"/>
-            </a:endParaRPr>
-          </a:p>
-        </p:txBody>
-      </p:sp>
-      <p:sp>
-        <p:nvSpPr>
-          <p:cNvPr id="43" name="PlaceHolder 3"/>
-          <p:cNvSpPr>
-            <a:spLocks noGrp="1"/>
-          </p:cNvSpPr>
-          <p:nvPr>
-            <p:ph type="dt"/>
-          </p:nvPr>
-        </p:nvSpPr>
-        <p:spPr>
-          <a:xfrm>
-            <a:off x="838080" y="6356520"/>
-            <a:ext cx="2742840" cy="364680"/>
-          </a:xfrm>
-          <a:prstGeom prst="rect">
-            <a:avLst/>
-          </a:prstGeom>
-        </p:spPr>
-        <p:txBody>
-          <a:bodyPr anchor="ctr">
-            <a:noAutofit/>
-          </a:bodyPr>
-          <a:p>
-            <a:pPr>
-              <a:lnSpc>
-                <a:spcPct val="100000"/>
-              </a:lnSpc>
+              </a:buClr>
+              <a:buSzPct val="45000"/>
+              <a:buFont typeface="Wingdings" charset="2"/>
+              <a:buChar char=""/>
             </a:pPr>
-            <a:fld id="{38724E90-8921-4068-A0E1-C2A5987AC634}" type="datetime">
-              <a:rPr b="0" lang="en-US" sz="1200" spc="-1" strike="noStrike">
-                <a:solidFill>
-                  <a:srgbClr val="8b8b8b"/>
-                </a:solidFill>
-                <a:latin typeface="Calibri"/>
+            <a:r>
+              <a:rPr b="0" lang="en-US" sz="2000" spc="-1" strike="noStrike">
+                <a:latin typeface="Arial"/>
               </a:rPr>
-              <a:t>10/12/20</a:t>
-            </a:fld>
-            <a:endParaRPr b="0" lang="en-US" sz="1200" spc="-1" strike="noStrike">
-              <a:latin typeface="Times New Roman"/>
-            </a:endParaRPr>
-          </a:p>
-        </p:txBody>
-      </p:sp>
-      <p:sp>
-        <p:nvSpPr>
-          <p:cNvPr id="44" name="PlaceHolder 4"/>
-          <p:cNvSpPr>
-            <a:spLocks noGrp="1"/>
-          </p:cNvSpPr>
-          <p:nvPr>
-            <p:ph type="ftr"/>
-          </p:nvPr>
-        </p:nvSpPr>
-        <p:spPr>
-          <a:xfrm>
-            <a:off x="4038480" y="6356520"/>
-            <a:ext cx="4114440" cy="364680"/>
-          </a:xfrm>
-          <a:prstGeom prst="rect">
-            <a:avLst/>
-          </a:prstGeom>
-        </p:spPr>
-        <p:txBody>
-          <a:bodyPr anchor="ctr">
-            <a:noAutofit/>
-          </a:bodyPr>
-          <a:p>
-            <a:endParaRPr b="0" lang="en-US" sz="2400" spc="-1" strike="noStrike">
-              <a:latin typeface="Times New Roman"/>
-            </a:endParaRPr>
-          </a:p>
-        </p:txBody>
-      </p:sp>
-      <p:sp>
-        <p:nvSpPr>
-          <p:cNvPr id="45" name="PlaceHolder 5"/>
-          <p:cNvSpPr>
-            <a:spLocks noGrp="1"/>
-          </p:cNvSpPr>
-          <p:nvPr>
-            <p:ph type="sldNum"/>
-          </p:nvPr>
-        </p:nvSpPr>
-        <p:spPr>
-          <a:xfrm>
-            <a:off x="8610480" y="6356520"/>
-            <a:ext cx="2742840" cy="364680"/>
-          </a:xfrm>
-          <a:prstGeom prst="rect">
-            <a:avLst/>
-          </a:prstGeom>
-        </p:spPr>
-        <p:txBody>
-          <a:bodyPr anchor="ctr">
-            <a:noAutofit/>
-          </a:bodyPr>
-          <a:p>
-            <a:pPr algn="r">
-              <a:lnSpc>
-                <a:spcPct val="100000"/>
-              </a:lnSpc>
+              <a:t>Sixth Outline Level</a:t>
+            </a:r>
+            <a:endParaRPr b="0" lang="en-US" sz="2000" spc="-1" strike="noStrike">
+              <a:latin typeface="Arial"/>
+            </a:endParaRPr>
+          </a:p>
+          <a:p>
+            <a:pPr lvl="6" marL="3024000" indent="-216000">
+              <a:spcBef>
+                <a:spcPts val="283"/>
+              </a:spcBef>
+              <a:buClr>
+                <a:srgbClr val="000000"/>
+              </a:buClr>
+              <a:buSzPct val="45000"/>
+              <a:buFont typeface="Wingdings" charset="2"/>
+              <a:buChar char=""/>
             </a:pPr>
-            <a:fld id="{974CB3B6-4DEB-4D7C-8450-0EA39F20AB55}" type="slidenum">
-              <a:rPr b="0" lang="en-US" sz="1200" spc="-1" strike="noStrike">
-                <a:solidFill>
-                  <a:srgbClr val="8b8b8b"/>
-                </a:solidFill>
-                <a:latin typeface="Calibri"/>
+            <a:r>
+              <a:rPr b="0" lang="en-US" sz="2000" spc="-1" strike="noStrike">
+                <a:latin typeface="Arial"/>
               </a:rPr>
-              <a:t>&lt;number&gt;</a:t>
-            </a:fld>
-            <a:endParaRPr b="0" lang="en-US" sz="1200" spc="-1" strike="noStrike">
-              <a:latin typeface="Times New Roman"/>
+              <a:t>Seventh Outline Level</a:t>
+            </a:r>
+            <a:endParaRPr b="0" lang="en-US" sz="2000" spc="-1" strike="noStrike">
+              <a:latin typeface="Arial"/>
             </a:endParaRPr>
           </a:p>
         </p:txBody>
@@ -7659,14 +7181,14 @@
       </p:grpSpPr>
       <p:sp>
         <p:nvSpPr>
-          <p:cNvPr id="82" name="TextShape 1"/>
-          <p:cNvSpPr txBox="1"/>
+          <p:cNvPr id="76" name="CustomShape 1"/>
+          <p:cNvSpPr/>
           <p:nvPr/>
         </p:nvSpPr>
         <p:spPr>
           <a:xfrm>
             <a:off x="1523880" y="1122480"/>
-            <a:ext cx="9143640" cy="2387160"/>
+            <a:ext cx="9143280" cy="2386800"/>
           </a:xfrm>
           <a:prstGeom prst="rect">
             <a:avLst/>
@@ -7676,8 +7198,14 @@
             <a:noFill/>
           </a:ln>
         </p:spPr>
+        <p:style>
+          <a:lnRef idx="0"/>
+          <a:fillRef idx="0"/>
+          <a:effectRef idx="0"/>
+          <a:fontRef idx="minor"/>
+        </p:style>
         <p:txBody>
-          <a:bodyPr anchor="b">
+          <a:bodyPr lIns="90000" rIns="90000" tIns="45000" bIns="45000" anchor="b">
             <a:normAutofit/>
           </a:bodyPr>
           <a:p>
@@ -7716,24 +7244,21 @@
               <a:t>Instructor: Prof. Martin Kappes and Manuel Grob</a:t>
             </a:r>
             <a:endParaRPr b="0" lang="en-US" sz="2200" spc="-1" strike="noStrike">
-              <a:solidFill>
-                <a:srgbClr val="000000"/>
-              </a:solidFill>
-              <a:latin typeface="Calibri"/>
+              <a:latin typeface="Arial"/>
             </a:endParaRPr>
           </a:p>
         </p:txBody>
       </p:sp>
       <p:sp>
         <p:nvSpPr>
-          <p:cNvPr id="83" name="TextShape 2"/>
-          <p:cNvSpPr txBox="1"/>
+          <p:cNvPr id="77" name="CustomShape 2"/>
+          <p:cNvSpPr/>
           <p:nvPr/>
         </p:nvSpPr>
         <p:spPr>
           <a:xfrm>
             <a:off x="1523880" y="3602160"/>
-            <a:ext cx="9143640" cy="1655280"/>
+            <a:ext cx="9143280" cy="1654920"/>
           </a:xfrm>
           <a:prstGeom prst="rect">
             <a:avLst/>
@@ -7743,8 +7268,14 @@
             <a:noFill/>
           </a:ln>
         </p:spPr>
+        <p:style>
+          <a:lnRef idx="0"/>
+          <a:fillRef idx="0"/>
+          <a:effectRef idx="0"/>
+          <a:fontRef idx="minor"/>
+        </p:style>
         <p:txBody>
-          <a:bodyPr>
+          <a:bodyPr lIns="90000" rIns="90000" tIns="45000" bIns="45000">
             <a:normAutofit/>
           </a:bodyPr>
           <a:p>
@@ -7894,14 +7425,14 @@
       </p:grpSpPr>
       <p:sp>
         <p:nvSpPr>
-          <p:cNvPr id="84" name="CustomShape 1"/>
+          <p:cNvPr id="78" name="CustomShape 1"/>
           <p:cNvSpPr/>
           <p:nvPr/>
         </p:nvSpPr>
         <p:spPr>
           <a:xfrm>
             <a:off x="0" y="0"/>
-            <a:ext cx="4654080" cy="6857640"/>
+            <a:ext cx="4653720" cy="6857280"/>
           </a:xfrm>
           <a:prstGeom prst="rect">
             <a:avLst/>
@@ -7930,14 +7461,14 @@
       </p:sp>
       <p:sp>
         <p:nvSpPr>
-          <p:cNvPr id="85" name="TextShape 2"/>
-          <p:cNvSpPr txBox="1"/>
+          <p:cNvPr id="79" name="CustomShape 2"/>
+          <p:cNvSpPr/>
           <p:nvPr/>
         </p:nvSpPr>
         <p:spPr>
           <a:xfrm>
             <a:off x="762120" y="559800"/>
-            <a:ext cx="3567600" cy="4952160"/>
+            <a:ext cx="3567240" cy="4951800"/>
           </a:xfrm>
           <a:prstGeom prst="rect">
             <a:avLst/>
@@ -7947,8 +7478,14 @@
             <a:noFill/>
           </a:ln>
         </p:spPr>
+        <p:style>
+          <a:lnRef idx="0"/>
+          <a:fillRef idx="0"/>
+          <a:effectRef idx="0"/>
+          <a:fontRef idx="minor"/>
+        </p:style>
         <p:txBody>
-          <a:bodyPr anchor="ctr">
+          <a:bodyPr lIns="90000" rIns="90000" tIns="45000" bIns="45000" anchor="ctr">
             <a:normAutofit/>
           </a:bodyPr>
           <a:p>
@@ -7967,17 +7504,14 @@
               <a:t>Communication</a:t>
             </a:r>
             <a:endParaRPr b="0" lang="en-US" sz="4100" spc="-1" strike="noStrike">
-              <a:solidFill>
-                <a:srgbClr val="000000"/>
-              </a:solidFill>
-              <a:latin typeface="Calibri"/>
+              <a:latin typeface="Arial"/>
             </a:endParaRPr>
           </a:p>
         </p:txBody>
       </p:sp>
       <p:sp>
         <p:nvSpPr>
-          <p:cNvPr id="86" name="Line 3"/>
+          <p:cNvPr id="80" name="Line 3"/>
           <p:cNvSpPr/>
           <p:nvPr/>
         </p:nvSpPr>
@@ -8015,14 +7549,14 @@
           <p:nvPr>
             <p:extLst>
               <p:ext uri="{D42A27DB-BD31-4B8C-83A1-F6EECF244321}">
-                <p14:modId xmlns:p14="http://schemas.microsoft.com/office/powerpoint/2010/main" val="1023786708"/>
+                <p14:modId xmlns:p14="http://schemas.microsoft.com/office/powerpoint/2010/main" val="860291364"/>
               </p:ext>
             </p:extLst>
           </p:nvPr>
         </p:nvGraphicFramePr>
         <p:xfrm>
           <a:off x="5181480" y="568440"/>
-          <a:ext cx="6248160" cy="5655960"/>
+          <a:ext cx="6247800" cy="5655600"/>
         </p:xfrm>
         <a:graphic>
           <a:graphicData uri="http://schemas.openxmlformats.org/drawingml/2006/diagram">
@@ -8069,14 +7603,14 @@
       </p:grpSpPr>
       <p:sp>
         <p:nvSpPr>
-          <p:cNvPr id="87" name="CustomShape 1"/>
+          <p:cNvPr id="81" name="CustomShape 1"/>
           <p:cNvSpPr/>
           <p:nvPr/>
         </p:nvSpPr>
         <p:spPr>
           <a:xfrm>
             <a:off x="-10080" y="0"/>
-            <a:ext cx="4069440" cy="6857640"/>
+            <a:ext cx="4069080" cy="6857280"/>
           </a:xfrm>
           <a:prstGeom prst="rect">
             <a:avLst/>
@@ -8105,14 +7639,14 @@
       </p:sp>
       <p:sp>
         <p:nvSpPr>
-          <p:cNvPr id="88" name="TextShape 2"/>
-          <p:cNvSpPr txBox="1"/>
+          <p:cNvPr id="82" name="CustomShape 2"/>
+          <p:cNvSpPr/>
           <p:nvPr/>
         </p:nvSpPr>
         <p:spPr>
           <a:xfrm>
             <a:off x="643320" y="640080"/>
-            <a:ext cx="3096000" cy="5612760"/>
+            <a:ext cx="3095640" cy="5612400"/>
           </a:xfrm>
           <a:prstGeom prst="rect">
             <a:avLst/>
@@ -8122,8 +7656,14 @@
             <a:noFill/>
           </a:ln>
         </p:spPr>
+        <p:style>
+          <a:lnRef idx="0"/>
+          <a:fillRef idx="0"/>
+          <a:effectRef idx="0"/>
+          <a:fontRef idx="minor"/>
+        </p:style>
         <p:txBody>
-          <a:bodyPr anchor="ctr">
+          <a:bodyPr lIns="90000" rIns="90000" tIns="45000" bIns="45000" anchor="ctr">
             <a:normAutofit/>
           </a:bodyPr>
           <a:p>
@@ -8142,24 +7682,21 @@
               <a:t>Document and code sharing</a:t>
             </a:r>
             <a:endParaRPr b="0" lang="en-US" sz="4400" spc="-1" strike="noStrike">
-              <a:solidFill>
-                <a:srgbClr val="000000"/>
-              </a:solidFill>
-              <a:latin typeface="Calibri"/>
+              <a:latin typeface="Arial"/>
             </a:endParaRPr>
           </a:p>
         </p:txBody>
       </p:sp>
       <p:sp>
         <p:nvSpPr>
-          <p:cNvPr id="89" name="TextShape 3"/>
-          <p:cNvSpPr txBox="1"/>
+          <p:cNvPr id="83" name="CustomShape 3"/>
+          <p:cNvSpPr/>
           <p:nvPr/>
         </p:nvSpPr>
         <p:spPr>
           <a:xfrm>
             <a:off x="4699800" y="640080"/>
-            <a:ext cx="6848280" cy="2484360"/>
+            <a:ext cx="6847920" cy="2484000"/>
           </a:xfrm>
           <a:prstGeom prst="rect">
             <a:avLst/>
@@ -8169,12 +7706,18 @@
             <a:noFill/>
           </a:ln>
         </p:spPr>
+        <p:style>
+          <a:lnRef idx="0"/>
+          <a:fillRef idx="0"/>
+          <a:effectRef idx="0"/>
+          <a:fontRef idx="minor"/>
+        </p:style>
         <p:txBody>
-          <a:bodyPr anchor="ctr">
+          <a:bodyPr lIns="90000" rIns="90000" tIns="45000" bIns="45000" anchor="ctr">
             <a:normAutofit/>
           </a:bodyPr>
           <a:p>
-            <a:pPr marL="228600" indent="-228240">
+            <a:pPr marL="228600" indent="-227880">
               <a:lnSpc>
                 <a:spcPct val="90000"/>
               </a:lnSpc>
@@ -8215,14 +7758,11 @@
               <a:t>.</a:t>
             </a:r>
             <a:endParaRPr b="0" lang="en-US" sz="2000" spc="-1" strike="noStrike">
-              <a:solidFill>
-                <a:srgbClr val="000000"/>
-              </a:solidFill>
-              <a:latin typeface="Calibri"/>
-            </a:endParaRPr>
-          </a:p>
-          <a:p>
-            <a:pPr marL="228600" indent="-228240">
+              <a:latin typeface="Arial"/>
+            </a:endParaRPr>
+          </a:p>
+          <a:p>
+            <a:pPr marL="228600" indent="-227880">
               <a:lnSpc>
                 <a:spcPct val="90000"/>
               </a:lnSpc>
@@ -8254,10 +7794,7 @@
               <a:t>Github’s project service</a:t>
             </a:r>
             <a:endParaRPr b="0" lang="en-US" sz="2000" spc="-1" strike="noStrike">
-              <a:solidFill>
-                <a:srgbClr val="000000"/>
-              </a:solidFill>
-              <a:latin typeface="Calibri"/>
+              <a:latin typeface="Arial"/>
             </a:endParaRPr>
           </a:p>
           <a:p>
@@ -8270,10 +7807,7 @@
               </a:spcBef>
             </a:pPr>
             <a:endParaRPr b="0" lang="en-US" sz="2000" spc="-1" strike="noStrike">
-              <a:solidFill>
-                <a:srgbClr val="000000"/>
-              </a:solidFill>
-              <a:latin typeface="Calibri"/>
+              <a:latin typeface="Arial"/>
             </a:endParaRPr>
           </a:p>
           <a:p>
@@ -8286,10 +7820,7 @@
               </a:spcBef>
             </a:pPr>
             <a:endParaRPr b="0" lang="en-US" sz="2000" spc="-1" strike="noStrike">
-              <a:solidFill>
-                <a:srgbClr val="000000"/>
-              </a:solidFill>
-              <a:latin typeface="Calibri"/>
+              <a:latin typeface="Arial"/>
             </a:endParaRPr>
           </a:p>
           <a:p>
@@ -8302,17 +7833,14 @@
               </a:spcBef>
             </a:pPr>
             <a:endParaRPr b="0" lang="en-US" sz="2000" spc="-1" strike="noStrike">
-              <a:solidFill>
-                <a:srgbClr val="000000"/>
-              </a:solidFill>
-              <a:latin typeface="Calibri"/>
+              <a:latin typeface="Arial"/>
             </a:endParaRPr>
           </a:p>
         </p:txBody>
       </p:sp>
       <p:pic>
         <p:nvPicPr>
-          <p:cNvPr id="90" name="Picture 3" descr=""/>
+          <p:cNvPr id="84" name="Picture 3" descr=""/>
           <p:cNvPicPr/>
           <p:nvPr/>
         </p:nvPicPr>
@@ -8323,7 +7851,7 @@
         <p:spPr>
           <a:xfrm>
             <a:off x="4177440" y="2523960"/>
-            <a:ext cx="7908840" cy="2866680"/>
+            <a:ext cx="7908480" cy="2866320"/>
           </a:xfrm>
           <a:prstGeom prst="rect">
             <a:avLst/>
@@ -8365,14 +7893,14 @@
       </p:grpSpPr>
       <p:sp>
         <p:nvSpPr>
-          <p:cNvPr id="91" name="TextShape 1"/>
-          <p:cNvSpPr txBox="1"/>
+          <p:cNvPr id="85" name="CustomShape 1"/>
+          <p:cNvSpPr/>
           <p:nvPr/>
         </p:nvSpPr>
         <p:spPr>
           <a:xfrm>
             <a:off x="838080" y="365040"/>
-            <a:ext cx="10515240" cy="1325160"/>
+            <a:ext cx="10514880" cy="1324800"/>
           </a:xfrm>
           <a:prstGeom prst="rect">
             <a:avLst/>
@@ -8382,8 +7910,14 @@
             <a:noFill/>
           </a:ln>
         </p:spPr>
+        <p:style>
+          <a:lnRef idx="0"/>
+          <a:fillRef idx="0"/>
+          <a:effectRef idx="0"/>
+          <a:fontRef idx="minor"/>
+        </p:style>
         <p:txBody>
-          <a:bodyPr anchor="ctr">
+          <a:bodyPr lIns="90000" rIns="90000" tIns="45000" bIns="45000" anchor="ctr">
             <a:noAutofit/>
           </a:bodyPr>
           <a:p>
@@ -8402,17 +7936,14 @@
               <a:t>Sprint backlog</a:t>
             </a:r>
             <a:endParaRPr b="0" lang="en-US" sz="4400" spc="-1" strike="noStrike">
-              <a:solidFill>
-                <a:srgbClr val="000000"/>
-              </a:solidFill>
-              <a:latin typeface="Calibri"/>
+              <a:latin typeface="Arial"/>
             </a:endParaRPr>
           </a:p>
         </p:txBody>
       </p:sp>
       <p:graphicFrame>
         <p:nvGraphicFramePr>
-          <p:cNvPr id="92" name="Table 2"/>
+          <p:cNvPr id="86" name="Table 2"/>
           <p:cNvGraphicFramePr/>
           <p:nvPr/>
         </p:nvGraphicFramePr>
@@ -9764,14 +9295,14 @@
       </p:grpSpPr>
       <p:sp>
         <p:nvSpPr>
-          <p:cNvPr id="93" name="TextShape 1"/>
-          <p:cNvSpPr txBox="1"/>
+          <p:cNvPr id="87" name="CustomShape 1"/>
+          <p:cNvSpPr/>
           <p:nvPr/>
         </p:nvSpPr>
         <p:spPr>
           <a:xfrm>
             <a:off x="838080" y="365040"/>
-            <a:ext cx="10515240" cy="1325160"/>
+            <a:ext cx="10514880" cy="1324800"/>
           </a:xfrm>
           <a:prstGeom prst="rect">
             <a:avLst/>
@@ -9781,8 +9312,14 @@
             <a:noFill/>
           </a:ln>
         </p:spPr>
+        <p:style>
+          <a:lnRef idx="0"/>
+          <a:fillRef idx="0"/>
+          <a:effectRef idx="0"/>
+          <a:fontRef idx="minor"/>
+        </p:style>
         <p:txBody>
-          <a:bodyPr anchor="ctr">
+          <a:bodyPr lIns="90000" rIns="90000" tIns="45000" bIns="45000" anchor="ctr">
             <a:noAutofit/>
           </a:bodyPr>
           <a:p>
@@ -9801,24 +9338,21 @@
               <a:t>This week plan</a:t>
             </a:r>
             <a:endParaRPr b="0" lang="en-US" sz="4400" spc="-1" strike="noStrike">
-              <a:solidFill>
-                <a:srgbClr val="000000"/>
-              </a:solidFill>
-              <a:latin typeface="Calibri"/>
+              <a:latin typeface="Arial"/>
             </a:endParaRPr>
           </a:p>
         </p:txBody>
       </p:sp>
       <p:sp>
         <p:nvSpPr>
-          <p:cNvPr id="94" name="TextShape 2"/>
-          <p:cNvSpPr txBox="1"/>
+          <p:cNvPr id="88" name="CustomShape 2"/>
+          <p:cNvSpPr/>
           <p:nvPr/>
         </p:nvSpPr>
         <p:spPr>
           <a:xfrm>
             <a:off x="838080" y="1825560"/>
-            <a:ext cx="10515240" cy="4350960"/>
+            <a:ext cx="10514880" cy="4350600"/>
           </a:xfrm>
           <a:prstGeom prst="rect">
             <a:avLst/>
@@ -9828,12 +9362,18 @@
             <a:noFill/>
           </a:ln>
         </p:spPr>
+        <p:style>
+          <a:lnRef idx="0"/>
+          <a:fillRef idx="0"/>
+          <a:effectRef idx="0"/>
+          <a:fontRef idx="minor"/>
+        </p:style>
         <p:txBody>
-          <a:bodyPr>
+          <a:bodyPr lIns="90000" rIns="90000" tIns="45000" bIns="45000">
             <a:noAutofit/>
           </a:bodyPr>
           <a:p>
-            <a:pPr marL="228600" indent="-228240">
+            <a:pPr marL="228600" indent="-227880">
               <a:lnSpc>
                 <a:spcPct val="90000"/>
               </a:lnSpc>
@@ -9856,14 +9396,11 @@
               <a:t>Each team member is assigned to one task.</a:t>
             </a:r>
             <a:endParaRPr b="0" lang="en-US" sz="2800" spc="-1" strike="noStrike">
-              <a:solidFill>
-                <a:srgbClr val="000000"/>
-              </a:solidFill>
-              <a:latin typeface="Calibri"/>
-            </a:endParaRPr>
-          </a:p>
-          <a:p>
-            <a:pPr marL="228600" indent="-228240">
+              <a:latin typeface="Arial"/>
+            </a:endParaRPr>
+          </a:p>
+          <a:p>
+            <a:pPr marL="228600" indent="-227880">
               <a:lnSpc>
                 <a:spcPct val="90000"/>
               </a:lnSpc>
@@ -9886,10 +9423,7 @@
               <a:t>Continue taking items from the sprint backlog after finishing a task.</a:t>
             </a:r>
             <a:endParaRPr b="0" lang="en-US" sz="2800" spc="-1" strike="noStrike">
-              <a:solidFill>
-                <a:srgbClr val="000000"/>
-              </a:solidFill>
-              <a:latin typeface="Calibri"/>
+              <a:latin typeface="Arial"/>
             </a:endParaRPr>
           </a:p>
         </p:txBody>
@@ -9926,14 +9460,14 @@
       </p:grpSpPr>
       <p:sp>
         <p:nvSpPr>
-          <p:cNvPr id="95" name="TextShape 1"/>
-          <p:cNvSpPr txBox="1"/>
+          <p:cNvPr id="89" name="CustomShape 1"/>
+          <p:cNvSpPr/>
           <p:nvPr/>
         </p:nvSpPr>
         <p:spPr>
           <a:xfrm>
             <a:off x="838080" y="365040"/>
-            <a:ext cx="10515240" cy="1325160"/>
+            <a:ext cx="10514880" cy="1324800"/>
           </a:xfrm>
           <a:prstGeom prst="rect">
             <a:avLst/>
@@ -9943,8 +9477,14 @@
             <a:noFill/>
           </a:ln>
         </p:spPr>
+        <p:style>
+          <a:lnRef idx="0"/>
+          <a:fillRef idx="0"/>
+          <a:effectRef idx="0"/>
+          <a:fontRef idx="minor"/>
+        </p:style>
         <p:txBody>
-          <a:bodyPr anchor="ctr">
+          <a:bodyPr lIns="90000" rIns="90000" tIns="45000" bIns="45000" anchor="ctr">
             <a:noAutofit/>
           </a:bodyPr>
           <a:p>
@@ -9963,17 +9503,14 @@
               <a:t>This week plan – Setting up Apache server</a:t>
             </a:r>
             <a:endParaRPr b="0" lang="en-US" sz="4400" spc="-1" strike="noStrike">
-              <a:solidFill>
-                <a:srgbClr val="000000"/>
-              </a:solidFill>
-              <a:latin typeface="Calibri"/>
+              <a:latin typeface="Arial"/>
             </a:endParaRPr>
           </a:p>
         </p:txBody>
       </p:sp>
       <p:pic>
         <p:nvPicPr>
-          <p:cNvPr id="96" name="Content Placeholder 3" descr=""/>
+          <p:cNvPr id="90" name="" descr=""/>
           <p:cNvPicPr/>
           <p:nvPr/>
         </p:nvPicPr>
@@ -9983,8 +9520,8 @@
         </p:blipFill>
         <p:spPr>
           <a:xfrm>
-            <a:off x="1257480" y="1825560"/>
-            <a:ext cx="9676440" cy="4350960"/>
+            <a:off x="700920" y="1463040"/>
+            <a:ext cx="10789920" cy="4804560"/>
           </a:xfrm>
           <a:prstGeom prst="rect">
             <a:avLst/>
@@ -10026,14 +9563,14 @@
       </p:grpSpPr>
       <p:sp>
         <p:nvSpPr>
-          <p:cNvPr id="97" name="TextShape 1"/>
-          <p:cNvSpPr txBox="1"/>
+          <p:cNvPr id="91" name="CustomShape 1"/>
+          <p:cNvSpPr/>
           <p:nvPr/>
         </p:nvSpPr>
         <p:spPr>
           <a:xfrm>
             <a:off x="838080" y="365040"/>
-            <a:ext cx="10515240" cy="1325160"/>
+            <a:ext cx="10514880" cy="1324800"/>
           </a:xfrm>
           <a:prstGeom prst="rect">
             <a:avLst/>
@@ -10043,8 +9580,14 @@
             <a:noFill/>
           </a:ln>
         </p:spPr>
+        <p:style>
+          <a:lnRef idx="0"/>
+          <a:fillRef idx="0"/>
+          <a:effectRef idx="0"/>
+          <a:fontRef idx="minor"/>
+        </p:style>
         <p:txBody>
-          <a:bodyPr anchor="ctr">
+          <a:bodyPr lIns="90000" rIns="90000" tIns="45000" bIns="45000" anchor="ctr">
             <a:noAutofit/>
           </a:bodyPr>
           <a:p>
@@ -10063,17 +9606,14 @@
               <a:t>This week plan – Research on how to read Apache log</a:t>
             </a:r>
             <a:endParaRPr b="0" lang="en-US" sz="4400" spc="-1" strike="noStrike">
-              <a:solidFill>
-                <a:srgbClr val="000000"/>
-              </a:solidFill>
-              <a:latin typeface="Calibri"/>
+              <a:latin typeface="Arial"/>
             </a:endParaRPr>
           </a:p>
         </p:txBody>
       </p:sp>
       <p:pic>
         <p:nvPicPr>
-          <p:cNvPr id="98" name="Content Placeholder 3" descr=""/>
+          <p:cNvPr id="92" name="" descr=""/>
           <p:cNvPicPr/>
           <p:nvPr/>
         </p:nvPicPr>
@@ -10083,8 +9623,8 @@
         </p:blipFill>
         <p:spPr>
           <a:xfrm>
-            <a:off x="1524240" y="1825560"/>
-            <a:ext cx="9143640" cy="4350960"/>
+            <a:off x="798120" y="1689840"/>
+            <a:ext cx="10595520" cy="4714200"/>
           </a:xfrm>
           <a:prstGeom prst="rect">
             <a:avLst/>
@@ -10126,14 +9666,14 @@
       </p:grpSpPr>
       <p:sp>
         <p:nvSpPr>
-          <p:cNvPr id="99" name="TextShape 1"/>
-          <p:cNvSpPr txBox="1"/>
+          <p:cNvPr id="93" name="CustomShape 1"/>
+          <p:cNvSpPr/>
           <p:nvPr/>
         </p:nvSpPr>
         <p:spPr>
           <a:xfrm>
             <a:off x="838080" y="365040"/>
-            <a:ext cx="10515240" cy="1325160"/>
+            <a:ext cx="10514880" cy="1324800"/>
           </a:xfrm>
           <a:prstGeom prst="rect">
             <a:avLst/>
@@ -10143,8 +9683,14 @@
             <a:noFill/>
           </a:ln>
         </p:spPr>
+        <p:style>
+          <a:lnRef idx="0"/>
+          <a:fillRef idx="0"/>
+          <a:effectRef idx="0"/>
+          <a:fontRef idx="minor"/>
+        </p:style>
         <p:txBody>
-          <a:bodyPr anchor="ctr">
+          <a:bodyPr lIns="90000" rIns="90000" tIns="45000" bIns="45000" anchor="ctr">
             <a:noAutofit/>
           </a:bodyPr>
           <a:p>
@@ -10163,17 +9709,14 @@
               <a:t>This week plan – Research on how to use Pcap4J</a:t>
             </a:r>
             <a:endParaRPr b="0" lang="en-US" sz="4400" spc="-1" strike="noStrike">
-              <a:solidFill>
-                <a:srgbClr val="000000"/>
-              </a:solidFill>
-              <a:latin typeface="Calibri"/>
+              <a:latin typeface="Arial"/>
             </a:endParaRPr>
           </a:p>
         </p:txBody>
       </p:sp>
       <p:pic>
         <p:nvPicPr>
-          <p:cNvPr id="100" name="Content Placeholder 3" descr=""/>
+          <p:cNvPr id="94" name="" descr=""/>
           <p:cNvPicPr/>
           <p:nvPr/>
         </p:nvPicPr>
@@ -10183,8 +9726,8 @@
         </p:blipFill>
         <p:spPr>
           <a:xfrm>
-            <a:off x="1289520" y="1825560"/>
-            <a:ext cx="9612720" cy="4350960"/>
+            <a:off x="861840" y="1746360"/>
+            <a:ext cx="10468080" cy="4905720"/>
           </a:xfrm>
           <a:prstGeom prst="rect">
             <a:avLst/>
@@ -10226,14 +9769,14 @@
       </p:grpSpPr>
       <p:sp>
         <p:nvSpPr>
-          <p:cNvPr id="101" name="TextShape 1"/>
-          <p:cNvSpPr txBox="1"/>
+          <p:cNvPr id="95" name="CustomShape 1"/>
+          <p:cNvSpPr/>
           <p:nvPr/>
         </p:nvSpPr>
         <p:spPr>
           <a:xfrm>
             <a:off x="838080" y="365040"/>
-            <a:ext cx="10515240" cy="1325160"/>
+            <a:ext cx="10514880" cy="1324800"/>
           </a:xfrm>
           <a:prstGeom prst="rect">
             <a:avLst/>
@@ -10243,8 +9786,14 @@
             <a:noFill/>
           </a:ln>
         </p:spPr>
+        <p:style>
+          <a:lnRef idx="0"/>
+          <a:fillRef idx="0"/>
+          <a:effectRef idx="0"/>
+          <a:fontRef idx="minor"/>
+        </p:style>
         <p:txBody>
-          <a:bodyPr anchor="ctr">
+          <a:bodyPr lIns="90000" rIns="90000" tIns="45000" bIns="45000" anchor="ctr">
             <a:noAutofit/>
           </a:bodyPr>
           <a:p>
@@ -10263,17 +9812,14 @@
               <a:t>This week plan – Detect VerticalPortScanEvent</a:t>
             </a:r>
             <a:endParaRPr b="0" lang="en-US" sz="4400" spc="-1" strike="noStrike">
-              <a:solidFill>
-                <a:srgbClr val="000000"/>
-              </a:solidFill>
-              <a:latin typeface="Calibri"/>
+              <a:latin typeface="Arial"/>
             </a:endParaRPr>
           </a:p>
         </p:txBody>
       </p:sp>
       <p:pic>
         <p:nvPicPr>
-          <p:cNvPr id="102" name="Content Placeholder 3" descr=""/>
+          <p:cNvPr id="96" name="" descr=""/>
           <p:cNvPicPr/>
           <p:nvPr/>
         </p:nvPicPr>
@@ -10283,8 +9829,8 @@
         </p:blipFill>
         <p:spPr>
           <a:xfrm>
-            <a:off x="1156320" y="1825560"/>
-            <a:ext cx="9878760" cy="4350960"/>
+            <a:off x="1604880" y="1828800"/>
+            <a:ext cx="9002160" cy="4846320"/>
           </a:xfrm>
           <a:prstGeom prst="rect">
             <a:avLst/>
